--- a/ALA/sem7/2170715_150124116006.pptx
+++ b/ALA/sem7/2170715_150124116006.pptx
@@ -207,7 +207,7 @@
             <a:fld id="{36116BCF-CCB0-4C03-877B-5A301A86C643}" type="datetimeFigureOut">
               <a:rPr lang="en-US" smtClean="0"/>
               <a:pPr/>
-              <a:t>8/15/2018</a:t>
+              <a:t>8/30/2018</a:t>
             </a:fld>
             <a:endParaRPr lang="en-US" dirty="0"/>
           </a:p>
@@ -541,7 +541,7 @@
             <a:fld id="{826ABA04-30AC-4B20-9EF2-8010B5E17F8E}" type="slidenum">
               <a:rPr lang="en-US" smtClean="0"/>
               <a:pPr/>
-              <a:t>4</a:t>
+              <a:t>3</a:t>
             </a:fld>
             <a:endParaRPr lang="en-US" dirty="0"/>
           </a:p>
@@ -556,6 +556,88 @@
 </file>
 
 <file path=ppt/notesSlides/notesSlide2.xml><?xml version="1.0" encoding="utf-8"?>
+<p:notes xmlns:a="http://schemas.openxmlformats.org/drawingml/2006/main" xmlns:r="http://schemas.openxmlformats.org/officeDocument/2006/relationships" xmlns:p="http://schemas.openxmlformats.org/presentationml/2006/main">
+  <p:cSld>
+    <p:spTree>
+      <p:nvGrpSpPr>
+        <p:cNvPr id="1" name=""/>
+        <p:cNvGrpSpPr/>
+        <p:nvPr/>
+      </p:nvGrpSpPr>
+      <p:grpSpPr>
+        <a:xfrm>
+          <a:off x="0" y="0"/>
+          <a:ext cx="0" cy="0"/>
+          <a:chOff x="0" y="0"/>
+          <a:chExt cx="0" cy="0"/>
+        </a:xfrm>
+      </p:grpSpPr>
+      <p:sp>
+        <p:nvSpPr>
+          <p:cNvPr id="2" name="Slide Image Placeholder 1"/>
+          <p:cNvSpPr>
+            <a:spLocks noGrp="1" noRot="1" noChangeAspect="1"/>
+          </p:cNvSpPr>
+          <p:nvPr>
+            <p:ph type="sldImg"/>
+          </p:nvPr>
+        </p:nvSpPr>
+        <p:spPr/>
+      </p:sp>
+      <p:sp>
+        <p:nvSpPr>
+          <p:cNvPr id="3" name="Notes Placeholder 2"/>
+          <p:cNvSpPr>
+            <a:spLocks noGrp="1"/>
+          </p:cNvSpPr>
+          <p:nvPr>
+            <p:ph type="body" idx="1"/>
+          </p:nvPr>
+        </p:nvSpPr>
+        <p:spPr/>
+        <p:txBody>
+          <a:bodyPr>
+            <a:normAutofit/>
+          </a:bodyPr>
+          <a:lstStyle/>
+          <a:p>
+            <a:endParaRPr lang="en-US" dirty="0"/>
+          </a:p>
+        </p:txBody>
+      </p:sp>
+      <p:sp>
+        <p:nvSpPr>
+          <p:cNvPr id="4" name="Slide Number Placeholder 3"/>
+          <p:cNvSpPr>
+            <a:spLocks noGrp="1"/>
+          </p:cNvSpPr>
+          <p:nvPr>
+            <p:ph type="sldNum" sz="quarter" idx="10"/>
+          </p:nvPr>
+        </p:nvSpPr>
+        <p:spPr/>
+        <p:txBody>
+          <a:bodyPr/>
+          <a:lstStyle/>
+          <a:p>
+            <a:fld id="{826ABA04-30AC-4B20-9EF2-8010B5E17F8E}" type="slidenum">
+              <a:rPr lang="en-US" smtClean="0"/>
+              <a:pPr/>
+              <a:t>4</a:t>
+            </a:fld>
+            <a:endParaRPr lang="en-US" dirty="0"/>
+          </a:p>
+        </p:txBody>
+      </p:sp>
+    </p:spTree>
+  </p:cSld>
+  <p:clrMapOvr>
+    <a:masterClrMapping/>
+  </p:clrMapOvr>
+</p:notes>
+</file>
+
+<file path=ppt/notesSlides/notesSlide3.xml><?xml version="1.0" encoding="utf-8"?>
 <p:notes xmlns:a="http://schemas.openxmlformats.org/drawingml/2006/main" xmlns:r="http://schemas.openxmlformats.org/officeDocument/2006/relationships" xmlns:p="http://schemas.openxmlformats.org/presentationml/2006/main">
   <p:cSld>
     <p:spTree>
@@ -827,7 +909,7 @@
             <a:fld id="{1D8BD707-D9CF-40AE-B4C6-C98DA3205C09}" type="datetimeFigureOut">
               <a:rPr lang="en-US" smtClean="0"/>
               <a:pPr/>
-              <a:t>8/15/2018</a:t>
+              <a:t>8/30/2018</a:t>
             </a:fld>
             <a:endParaRPr lang="en-US" dirty="0"/>
           </a:p>
@@ -1182,7 +1264,7 @@
             <a:fld id="{1D8BD707-D9CF-40AE-B4C6-C98DA3205C09}" type="datetimeFigureOut">
               <a:rPr lang="en-US" smtClean="0"/>
               <a:pPr/>
-              <a:t>8/15/2018</a:t>
+              <a:t>8/30/2018</a:t>
             </a:fld>
             <a:endParaRPr lang="en-US" dirty="0"/>
           </a:p>
@@ -1359,7 +1441,7 @@
             <a:fld id="{1D8BD707-D9CF-40AE-B4C6-C98DA3205C09}" type="datetimeFigureOut">
               <a:rPr lang="en-US" smtClean="0"/>
               <a:pPr/>
-              <a:t>8/15/2018</a:t>
+              <a:t>8/30/2018</a:t>
             </a:fld>
             <a:endParaRPr lang="en-US" dirty="0"/>
           </a:p>
@@ -1474,7 +1556,7 @@
             <a:fld id="{1D8BD707-D9CF-40AE-B4C6-C98DA3205C09}" type="datetimeFigureOut">
               <a:rPr lang="en-US" smtClean="0"/>
               <a:pPr/>
-              <a:t>8/15/2018</a:t>
+              <a:t>8/30/2018</a:t>
             </a:fld>
             <a:endParaRPr lang="en-US" dirty="0"/>
           </a:p>
@@ -1829,7 +1911,7 @@
             <a:fld id="{1D8BD707-D9CF-40AE-B4C6-C98DA3205C09}" type="datetimeFigureOut">
               <a:rPr lang="en-US" smtClean="0"/>
               <a:pPr/>
-              <a:t>8/15/2018</a:t>
+              <a:t>8/30/2018</a:t>
             </a:fld>
             <a:endParaRPr lang="en-US" dirty="0"/>
           </a:p>
@@ -2096,7 +2178,7 @@
             <a:fld id="{1D8BD707-D9CF-40AE-B4C6-C98DA3205C09}" type="datetimeFigureOut">
               <a:rPr lang="en-US" smtClean="0"/>
               <a:pPr/>
-              <a:t>8/15/2018</a:t>
+              <a:t>8/30/2018</a:t>
             </a:fld>
             <a:endParaRPr lang="en-US" dirty="0"/>
           </a:p>
@@ -2460,7 +2542,7 @@
             <a:fld id="{1D8BD707-D9CF-40AE-B4C6-C98DA3205C09}" type="datetimeFigureOut">
               <a:rPr lang="en-US" smtClean="0"/>
               <a:pPr/>
-              <a:t>8/15/2018</a:t>
+              <a:t>8/30/2018</a:t>
             </a:fld>
             <a:endParaRPr lang="en-US" dirty="0"/>
           </a:p>
@@ -2689,7 +2771,7 @@
             <a:fld id="{1D8BD707-D9CF-40AE-B4C6-C98DA3205C09}" type="datetimeFigureOut">
               <a:rPr lang="en-US" smtClean="0"/>
               <a:pPr/>
-              <a:t>8/15/2018</a:t>
+              <a:t>8/30/2018</a:t>
             </a:fld>
             <a:endParaRPr lang="en-US" dirty="0"/>
           </a:p>
@@ -2781,7 +2863,7 @@
             <a:fld id="{1D8BD707-D9CF-40AE-B4C6-C98DA3205C09}" type="datetimeFigureOut">
               <a:rPr lang="en-US" smtClean="0"/>
               <a:pPr/>
-              <a:t>8/15/2018</a:t>
+              <a:t>8/30/2018</a:t>
             </a:fld>
             <a:endParaRPr lang="en-US" dirty="0"/>
           </a:p>
@@ -3050,7 +3132,7 @@
             <a:fld id="{1D8BD707-D9CF-40AE-B4C6-C98DA3205C09}" type="datetimeFigureOut">
               <a:rPr lang="en-US" smtClean="0"/>
               <a:pPr/>
-              <a:t>8/15/2018</a:t>
+              <a:t>8/30/2018</a:t>
             </a:fld>
             <a:endParaRPr lang="en-US" dirty="0"/>
           </a:p>
@@ -3280,7 +3362,7 @@
             <a:fld id="{1D8BD707-D9CF-40AE-B4C6-C98DA3205C09}" type="datetimeFigureOut">
               <a:rPr lang="en-US" smtClean="0"/>
               <a:pPr/>
-              <a:t>8/15/2018</a:t>
+              <a:t>8/30/2018</a:t>
             </a:fld>
             <a:endParaRPr lang="en-US" dirty="0"/>
           </a:p>
@@ -3784,7 +3866,7 @@
             <a:fld id="{1D8BD707-D9CF-40AE-B4C6-C98DA3205C09}" type="datetimeFigureOut">
               <a:rPr lang="en-US" smtClean="0"/>
               <a:pPr/>
-              <a:t>8/15/2018</a:t>
+              <a:t>8/30/2018</a:t>
             </a:fld>
             <a:endParaRPr lang="en-US" dirty="0"/>
           </a:p>
@@ -4199,8 +4281,8 @@
         </p:nvSpPr>
         <p:spPr bwMode="auto">
           <a:xfrm>
-            <a:off x="659966" y="3505995"/>
-            <a:ext cx="10870519" cy="2896270"/>
+            <a:off x="659966" y="3352924"/>
+            <a:ext cx="10870519" cy="3201070"/>
           </a:xfrm>
           <a:prstGeom prst="rect">
             <a:avLst/>
@@ -4340,7 +4422,7 @@
               </a:tabLst>
             </a:pPr>
             <a:r>
-              <a:rPr lang="en-US" sz="3000" b="1" dirty="0">
+              <a:rPr lang="en-US" sz="3200" b="1" dirty="0">
                 <a:solidFill>
                   <a:srgbClr val="000000"/>
                 </a:solidFill>
@@ -4348,6 +4430,12 @@
               </a:rPr>
               <a:t>Patel Maulik Satishkumar (150124116006)</a:t>
             </a:r>
+            <a:endParaRPr lang="en-US" sz="3000" b="1" dirty="0">
+              <a:solidFill>
+                <a:srgbClr val="000000"/>
+              </a:solidFill>
+              <a:latin typeface="Perpetua" pitchFamily="18" charset="0"/>
+            </a:endParaRPr>
           </a:p>
           <a:p>
             <a:pPr>
@@ -4448,7 +4536,7 @@
               <a:t> </a:t>
             </a:r>
             <a:r>
-              <a:rPr lang="en-US" sz="2900" b="1" dirty="0">
+              <a:rPr lang="en-US" sz="3200" b="1" dirty="0">
                 <a:solidFill>
                   <a:srgbClr val="000000"/>
                 </a:solidFill>
@@ -4457,7 +4545,7 @@
               <a:t>Prof. </a:t>
             </a:r>
             <a:r>
-              <a:rPr lang="en-US" sz="2900" b="1" dirty="0" smtClean="0">
+              <a:rPr lang="en-US" sz="3200" b="1" dirty="0" smtClean="0">
                 <a:solidFill>
                   <a:srgbClr val="000000"/>
                 </a:solidFill>
@@ -4936,16 +5024,12 @@
               <a:defRPr/>
             </a:pPr>
             <a:r>
-              <a:rPr lang="en-IN" sz="2800" b="1" dirty="0" smtClean="0">
+              <a:rPr lang="en-IN" sz="3200" b="1" dirty="0" smtClean="0">
                 <a:latin typeface="Times New Roman" pitchFamily="18" charset="0"/>
                 <a:cs typeface="Times New Roman" pitchFamily="18" charset="0"/>
               </a:rPr>
               <a:t>Block:</a:t>
             </a:r>
-            <a:endParaRPr lang="en-IN" sz="2800" b="1" dirty="0" smtClean="0">
-              <a:latin typeface="Times New Roman" pitchFamily="18" charset="0"/>
-              <a:cs typeface="Times New Roman" pitchFamily="18" charset="0"/>
-            </a:endParaRPr>
           </a:p>
           <a:p>
             <a:pPr marL="363515" marR="0" lvl="0" indent="-363515" algn="just" defTabSz="914400" rtl="0" eaLnBrk="1" fontAlgn="auto" latinLnBrk="0" hangingPunct="1">
@@ -4972,19 +5056,8 @@
                 <a:latin typeface="Times New Roman" pitchFamily="18" charset="0"/>
                 <a:cs typeface="Times New Roman" pitchFamily="18" charset="0"/>
               </a:rPr>
-              <a:t>Generally </a:t>
-            </a:r>
-            <a:r>
-              <a:rPr lang="en-IN" sz="2800" dirty="0" smtClean="0">
-                <a:latin typeface="Times New Roman" pitchFamily="18" charset="0"/>
-                <a:cs typeface="Times New Roman" pitchFamily="18" charset="0"/>
-              </a:rPr>
-              <a:t>the user data is stored in the files of HDFS. </a:t>
-            </a:r>
-            <a:endParaRPr lang="en-IN" sz="2800" dirty="0" smtClean="0">
-              <a:latin typeface="Times New Roman" pitchFamily="18" charset="0"/>
-              <a:cs typeface="Times New Roman" pitchFamily="18" charset="0"/>
-            </a:endParaRPr>
+              <a:t>Generally the user data is stored in the files of HDFS. </a:t>
+            </a:r>
           </a:p>
           <a:p>
             <a:pPr marL="363515" marR="0" lvl="0" indent="-363515" algn="just" defTabSz="914400" rtl="0" eaLnBrk="1" fontAlgn="auto" latinLnBrk="0" hangingPunct="1">
@@ -5011,49 +5084,35 @@
                 <a:latin typeface="Times New Roman" pitchFamily="18" charset="0"/>
                 <a:cs typeface="Times New Roman" pitchFamily="18" charset="0"/>
               </a:rPr>
-              <a:t>The </a:t>
+              <a:t>The file in a file system will be </a:t>
+            </a:r>
+            <a:r>
+              <a:rPr lang="en-IN" sz="2800" b="1" dirty="0" smtClean="0">
+                <a:latin typeface="Times New Roman" pitchFamily="18" charset="0"/>
+                <a:cs typeface="Times New Roman" pitchFamily="18" charset="0"/>
+              </a:rPr>
+              <a:t>divided into one or more segments</a:t>
             </a:r>
             <a:r>
               <a:rPr lang="en-IN" sz="2800" dirty="0" smtClean="0">
                 <a:latin typeface="Times New Roman" pitchFamily="18" charset="0"/>
                 <a:cs typeface="Times New Roman" pitchFamily="18" charset="0"/>
               </a:rPr>
-              <a:t>file in a file system will be divided </a:t>
+              <a:t> and/or </a:t>
+            </a:r>
+            <a:r>
+              <a:rPr lang="en-IN" sz="2800" b="1" dirty="0" smtClean="0">
+                <a:latin typeface="Times New Roman" pitchFamily="18" charset="0"/>
+                <a:cs typeface="Times New Roman" pitchFamily="18" charset="0"/>
+              </a:rPr>
+              <a:t>stored in individual data nodes</a:t>
             </a:r>
             <a:r>
               <a:rPr lang="en-IN" sz="2800" dirty="0" smtClean="0">
                 <a:latin typeface="Times New Roman" pitchFamily="18" charset="0"/>
                 <a:cs typeface="Times New Roman" pitchFamily="18" charset="0"/>
               </a:rPr>
-              <a:t>into one </a:t>
-            </a:r>
-            <a:r>
-              <a:rPr lang="en-IN" sz="2800" dirty="0" smtClean="0">
-                <a:latin typeface="Times New Roman" pitchFamily="18" charset="0"/>
-                <a:cs typeface="Times New Roman" pitchFamily="18" charset="0"/>
-              </a:rPr>
-              <a:t>or more segments and/or stored </a:t>
-            </a:r>
-            <a:r>
-              <a:rPr lang="en-IN" sz="2800" dirty="0" smtClean="0">
-                <a:latin typeface="Times New Roman" pitchFamily="18" charset="0"/>
-                <a:cs typeface="Times New Roman" pitchFamily="18" charset="0"/>
-              </a:rPr>
-              <a:t>in individual </a:t>
-            </a:r>
-            <a:r>
-              <a:rPr lang="en-IN" sz="2800" dirty="0" smtClean="0">
-                <a:latin typeface="Times New Roman" pitchFamily="18" charset="0"/>
-                <a:cs typeface="Times New Roman" pitchFamily="18" charset="0"/>
-              </a:rPr>
-              <a:t>data nodes. These file segments are called </a:t>
-            </a:r>
-            <a:r>
-              <a:rPr lang="en-IN" sz="2800" dirty="0" smtClean="0">
-                <a:latin typeface="Times New Roman" pitchFamily="18" charset="0"/>
-                <a:cs typeface="Times New Roman" pitchFamily="18" charset="0"/>
-              </a:rPr>
-              <a:t>as blocks.</a:t>
+              <a:t>. These file segments are called as blocks.</a:t>
             </a:r>
           </a:p>
           <a:p>
@@ -5081,21 +5140,7 @@
                 <a:latin typeface="Times New Roman" pitchFamily="18" charset="0"/>
                 <a:cs typeface="Times New Roman" pitchFamily="18" charset="0"/>
               </a:rPr>
-              <a:t>In other words</a:t>
-            </a:r>
-            <a:r>
-              <a:rPr lang="en-IN" sz="2800" dirty="0" smtClean="0">
-                <a:latin typeface="Times New Roman" pitchFamily="18" charset="0"/>
-                <a:cs typeface="Times New Roman" pitchFamily="18" charset="0"/>
-              </a:rPr>
-              <a:t>, the minimum amount of data that HDFS can read or write is called a </a:t>
-            </a:r>
-            <a:r>
-              <a:rPr lang="en-IN" sz="2800" dirty="0" smtClean="0">
-                <a:latin typeface="Times New Roman" pitchFamily="18" charset="0"/>
-                <a:cs typeface="Times New Roman" pitchFamily="18" charset="0"/>
-              </a:rPr>
-              <a:t>Block.</a:t>
+              <a:t>In other words, the minimum amount of data that HDFS can read or write is called a Block.</a:t>
             </a:r>
           </a:p>
           <a:p>
@@ -5123,44 +5168,51 @@
                 <a:latin typeface="Times New Roman" pitchFamily="18" charset="0"/>
                 <a:cs typeface="Times New Roman" pitchFamily="18" charset="0"/>
               </a:rPr>
-              <a:t>The </a:t>
+              <a:t>The default block size is</a:t>
+            </a:r>
+            <a:r>
+              <a:rPr lang="en-IN" sz="2800" b="1" dirty="0" smtClean="0">
+                <a:latin typeface="Times New Roman" pitchFamily="18" charset="0"/>
+                <a:cs typeface="Times New Roman" pitchFamily="18" charset="0"/>
+              </a:rPr>
+              <a:t> 64MB</a:t>
             </a:r>
             <a:r>
               <a:rPr lang="en-IN" sz="2800" dirty="0" smtClean="0">
                 <a:latin typeface="Times New Roman" pitchFamily="18" charset="0"/>
                 <a:cs typeface="Times New Roman" pitchFamily="18" charset="0"/>
               </a:rPr>
-              <a:t>default block size is 64MB, but it can be increased as per </a:t>
-            </a:r>
-            <a:r>
-              <a:rPr lang="en-IN" sz="2800" dirty="0" smtClean="0">
-                <a:latin typeface="Times New Roman" pitchFamily="18" charset="0"/>
-                <a:cs typeface="Times New Roman" pitchFamily="18" charset="0"/>
-              </a:rPr>
-              <a:t>the need </a:t>
-            </a:r>
-            <a:r>
-              <a:rPr lang="en-IN" sz="2800" dirty="0" smtClean="0">
-                <a:latin typeface="Times New Roman" pitchFamily="18" charset="0"/>
-                <a:cs typeface="Times New Roman" pitchFamily="18" charset="0"/>
-              </a:rPr>
-              <a:t>to change in </a:t>
-            </a:r>
-            <a:r>
-              <a:rPr lang="en-IN" sz="2800" dirty="0" smtClean="0">
-                <a:latin typeface="Times New Roman" pitchFamily="18" charset="0"/>
-                <a:cs typeface="Times New Roman" pitchFamily="18" charset="0"/>
-              </a:rPr>
-              <a:t>HDFS </a:t>
+              <a:t>, but it can be increased as per the need to change in HDFS </a:t>
             </a:r>
             <a:r>
               <a:rPr lang="en-US" sz="2800" dirty="0" smtClean="0">
                 <a:latin typeface="Times New Roman" pitchFamily="18" charset="0"/>
                 <a:cs typeface="Times New Roman" pitchFamily="18" charset="0"/>
               </a:rPr>
-              <a:t>configuration.</a:t>
-            </a:r>
-            <a:endParaRPr lang="en-IN" sz="2800" dirty="0" smtClean="0">
+              <a:t>configuration. </a:t>
+            </a:r>
+            <a:r>
+              <a:rPr lang="en-US" sz="2800" i="1" dirty="0" smtClean="0">
+                <a:latin typeface="Times New Roman" pitchFamily="18" charset="0"/>
+                <a:cs typeface="Times New Roman" pitchFamily="18" charset="0"/>
+              </a:rPr>
+              <a:t>(</a:t>
+            </a:r>
+            <a:r>
+              <a:rPr lang="en-US" sz="2800" b="1" i="1" dirty="0" smtClean="0">
+                <a:latin typeface="Times New Roman" pitchFamily="18" charset="0"/>
+                <a:cs typeface="Times New Roman" pitchFamily="18" charset="0"/>
+              </a:rPr>
+              <a:t>128MB</a:t>
+            </a:r>
+            <a:r>
+              <a:rPr lang="en-US" sz="2800" i="1" dirty="0" smtClean="0">
+                <a:latin typeface="Times New Roman" pitchFamily="18" charset="0"/>
+                <a:cs typeface="Times New Roman" pitchFamily="18" charset="0"/>
+              </a:rPr>
+              <a:t> in latest version)</a:t>
+            </a:r>
+            <a:endParaRPr lang="en-IN" sz="2800" i="1" dirty="0" smtClean="0">
               <a:latin typeface="Times New Roman" pitchFamily="18" charset="0"/>
               <a:cs typeface="Times New Roman" pitchFamily="18" charset="0"/>
             </a:endParaRPr>
@@ -5470,7 +5522,11 @@
           <a:p>
             <a:r>
               <a:rPr lang="en-US" dirty="0" smtClean="0"/>
-              <a:t>HDFS Operations</a:t>
+              <a:t>HDFS Operations </a:t>
+            </a:r>
+            <a:r>
+              <a:rPr lang="en-US" sz="4400" dirty="0" smtClean="0"/>
+              <a:t>(Commands)</a:t>
             </a:r>
             <a:endParaRPr lang="en-US" b="1" dirty="0"/>
           </a:p>
@@ -5679,9 +5735,6 @@
               </a:rPr>
               <a:t>Inserting Data into HDFS</a:t>
             </a:r>
-            <a:endParaRPr lang="en-US" sz="2800" b="1" dirty="0" smtClean="0">
-              <a:latin typeface="Consolas" pitchFamily="49" charset="0"/>
-            </a:endParaRPr>
           </a:p>
         </p:txBody>
       </p:sp>
@@ -5733,28 +5786,16 @@
               <a:t>$ </a:t>
             </a:r>
             <a:r>
-              <a:rPr lang="en-US" sz="2000" dirty="0" err="1" smtClean="0">
+              <a:rPr lang="en-US" sz="2000" b="1" dirty="0" err="1" smtClean="0">
                 <a:latin typeface="Consolas" pitchFamily="49" charset="0"/>
               </a:rPr>
               <a:t>hadoop</a:t>
             </a:r>
             <a:r>
-              <a:rPr lang="en-US" sz="2000" dirty="0" smtClean="0">
+              <a:rPr lang="en-US" sz="2000" b="1" dirty="0" smtClean="0">
                 <a:latin typeface="Consolas" pitchFamily="49" charset="0"/>
               </a:rPr>
-              <a:t> namenode </a:t>
-            </a:r>
-            <a:r>
-              <a:rPr lang="en-US" sz="2000" dirty="0" smtClean="0">
-                <a:latin typeface="Consolas" pitchFamily="49" charset="0"/>
-              </a:rPr>
-              <a:t>–</a:t>
-            </a:r>
-            <a:r>
-              <a:rPr lang="en-US" sz="2000" dirty="0" smtClean="0">
-                <a:latin typeface="Consolas" pitchFamily="49" charset="0"/>
-              </a:rPr>
-              <a:t>format</a:t>
+              <a:t> namenode –format</a:t>
             </a:r>
           </a:p>
           <a:p>
@@ -5772,19 +5813,49 @@
               <a:rPr lang="en-US" sz="2000" dirty="0" smtClean="0">
                 <a:latin typeface="Consolas" pitchFamily="49" charset="0"/>
               </a:rPr>
-              <a:t>$ start-dfs.sh 		</a:t>
+              <a:t>$ </a:t>
             </a:r>
             <a:r>
               <a:rPr lang="en-US" sz="2000" b="1" dirty="0" smtClean="0">
                 <a:latin typeface="Consolas" pitchFamily="49" charset="0"/>
               </a:rPr>
-              <a:t>or 		</a:t>
+              <a:t>start-dfs.sh</a:t>
             </a:r>
             <a:r>
               <a:rPr lang="en-US" sz="2000" dirty="0" smtClean="0">
                 <a:latin typeface="Consolas" pitchFamily="49" charset="0"/>
               </a:rPr>
-              <a:t>$ start-all.sh </a:t>
+              <a:t> 		</a:t>
+            </a:r>
+            <a:r>
+              <a:rPr lang="en-US" sz="2000" i="1" dirty="0" smtClean="0">
+                <a:latin typeface="Consolas" pitchFamily="49" charset="0"/>
+              </a:rPr>
+              <a:t>or</a:t>
+            </a:r>
+            <a:r>
+              <a:rPr lang="en-US" sz="2000" b="1" dirty="0" smtClean="0">
+                <a:latin typeface="Consolas" pitchFamily="49" charset="0"/>
+              </a:rPr>
+              <a:t> 		</a:t>
+            </a:r>
+            <a:r>
+              <a:rPr lang="en-US" sz="2000" dirty="0" smtClean="0">
+                <a:latin typeface="Consolas" pitchFamily="49" charset="0"/>
+              </a:rPr>
+              <a:t>$ </a:t>
+            </a:r>
+            <a:r>
+              <a:rPr lang="en-US" sz="2000" b="1" dirty="0" smtClean="0">
+                <a:latin typeface="Consolas" pitchFamily="49" charset="0"/>
+              </a:rPr>
+              <a:t>start-all.sh</a:t>
+            </a:r>
+            <a:r>
+              <a:rPr lang="en-US" sz="2000" dirty="0" smtClean="0">
+                <a:latin typeface="Consolas" pitchFamily="49" charset="0"/>
+              </a:rPr>
+              <a:t> </a:t>
             </a:r>
           </a:p>
         </p:txBody>
@@ -5837,61 +5908,49 @@
               <a:t>$ $ HADOOP_HOME/bin/</a:t>
             </a:r>
             <a:r>
-              <a:rPr lang="en-US" sz="2000" dirty="0" err="1" smtClean="0">
+              <a:rPr lang="en-US" sz="2000" b="1" dirty="0" err="1" smtClean="0">
                 <a:latin typeface="Consolas" pitchFamily="49" charset="0"/>
               </a:rPr>
               <a:t>hadoop</a:t>
             </a:r>
             <a:r>
-              <a:rPr lang="en-US" sz="2000" dirty="0" smtClean="0">
+              <a:rPr lang="en-US" sz="2000" b="1" dirty="0" smtClean="0">
                 <a:latin typeface="Consolas" pitchFamily="49" charset="0"/>
               </a:rPr>
-              <a:t> </a:t>
-            </a:r>
-            <a:r>
-              <a:rPr lang="en-US" sz="2000" dirty="0" smtClean="0">
+              <a:t>  </a:t>
+            </a:r>
+            <a:r>
+              <a:rPr lang="en-US" sz="2000" b="1" dirty="0" err="1" smtClean="0">
                 <a:latin typeface="Consolas" pitchFamily="49" charset="0"/>
               </a:rPr>
-              <a:t> </a:t>
-            </a:r>
-            <a:r>
-              <a:rPr lang="en-US" sz="2000" dirty="0" err="1" smtClean="0">
+              <a:t>fs</a:t>
+            </a:r>
+            <a:r>
+              <a:rPr lang="en-US" sz="2000" b="1" dirty="0" smtClean="0">
                 <a:latin typeface="Consolas" pitchFamily="49" charset="0"/>
               </a:rPr>
-              <a:t>fs</a:t>
-            </a:r>
-            <a:r>
-              <a:rPr lang="en-US" sz="2000" dirty="0" smtClean="0">
+              <a:t>  -</a:t>
+            </a:r>
+            <a:r>
+              <a:rPr lang="en-US" sz="2000" b="1" dirty="0" err="1" smtClean="0">
                 <a:latin typeface="Consolas" pitchFamily="49" charset="0"/>
               </a:rPr>
-              <a:t>  -</a:t>
-            </a:r>
-            <a:r>
-              <a:rPr lang="en-US" sz="2000" dirty="0" err="1" smtClean="0">
+              <a:t>ls</a:t>
+            </a:r>
+            <a:r>
+              <a:rPr lang="en-US" sz="2000" b="1" dirty="0" smtClean="0">
                 <a:latin typeface="Consolas" pitchFamily="49" charset="0"/>
               </a:rPr>
-              <a:t>ls</a:t>
-            </a:r>
-            <a:r>
-              <a:rPr lang="en-US" sz="2000" dirty="0" smtClean="0">
+              <a:t>  &lt;</a:t>
+            </a:r>
+            <a:r>
+              <a:rPr lang="en-US" sz="2000" b="1" dirty="0" err="1" smtClean="0">
                 <a:latin typeface="Consolas" pitchFamily="49" charset="0"/>
               </a:rPr>
-              <a:t> </a:t>
-            </a:r>
-            <a:r>
-              <a:rPr lang="en-US" sz="2000" dirty="0" smtClean="0">
-                <a:latin typeface="Consolas" pitchFamily="49" charset="0"/>
-              </a:rPr>
-              <a:t> &lt;</a:t>
-            </a:r>
-            <a:r>
-              <a:rPr lang="en-US" sz="2000" dirty="0" err="1" smtClean="0">
-                <a:latin typeface="Consolas" pitchFamily="49" charset="0"/>
-              </a:rPr>
               <a:t>args</a:t>
             </a:r>
             <a:r>
-              <a:rPr lang="en-US" sz="2000" dirty="0" smtClean="0">
+              <a:rPr lang="en-US" sz="2000" b="1" dirty="0" smtClean="0">
                 <a:latin typeface="Consolas" pitchFamily="49" charset="0"/>
               </a:rPr>
               <a:t>&gt;</a:t>
@@ -5947,66 +6006,48 @@
               <a:t>$ $ HADOOP_HOME/bin/</a:t>
             </a:r>
             <a:r>
-              <a:rPr lang="en-US" sz="2000" dirty="0" err="1" smtClean="0">
+              <a:rPr lang="en-US" sz="2000" b="1" dirty="0" err="1" smtClean="0">
                 <a:latin typeface="Consolas" pitchFamily="49" charset="0"/>
               </a:rPr>
               <a:t>hadoop</a:t>
             </a:r>
             <a:r>
-              <a:rPr lang="en-US" sz="2000" dirty="0" smtClean="0">
+              <a:rPr lang="en-US" sz="2000" b="1" dirty="0" smtClean="0">
                 <a:latin typeface="Consolas" pitchFamily="49" charset="0"/>
               </a:rPr>
-              <a:t> </a:t>
-            </a:r>
-            <a:r>
-              <a:rPr lang="en-US" sz="2000" dirty="0" smtClean="0">
+              <a:t>  </a:t>
+            </a:r>
+            <a:r>
+              <a:rPr lang="en-US" sz="2000" b="1" dirty="0" err="1" smtClean="0">
                 <a:latin typeface="Consolas" pitchFamily="49" charset="0"/>
               </a:rPr>
-              <a:t> </a:t>
-            </a:r>
-            <a:r>
-              <a:rPr lang="en-US" sz="2000" dirty="0" err="1" smtClean="0">
+              <a:t>fs</a:t>
+            </a:r>
+            <a:r>
+              <a:rPr lang="en-US" sz="2000" b="1" dirty="0" smtClean="0">
                 <a:latin typeface="Consolas" pitchFamily="49" charset="0"/>
               </a:rPr>
-              <a:t>fs</a:t>
-            </a:r>
-            <a:r>
-              <a:rPr lang="en-US" sz="2000" dirty="0" smtClean="0">
+              <a:t> –</a:t>
+            </a:r>
+            <a:r>
+              <a:rPr lang="en-US" sz="2000" b="1" dirty="0" err="1" smtClean="0">
                 <a:latin typeface="Consolas" pitchFamily="49" charset="0"/>
               </a:rPr>
-              <a:t> –</a:t>
-            </a:r>
-            <a:r>
-              <a:rPr lang="en-US" sz="2000" dirty="0" err="1" smtClean="0">
+              <a:t>mkdir</a:t>
+            </a:r>
+            <a:r>
+              <a:rPr lang="en-US" sz="2000" b="1" dirty="0" smtClean="0">
                 <a:latin typeface="Consolas" pitchFamily="49" charset="0"/>
               </a:rPr>
-              <a:t>mkdir</a:t>
-            </a:r>
-            <a:r>
-              <a:rPr lang="en-US" sz="2000" dirty="0" smtClean="0">
+              <a:t>  /user/</a:t>
+            </a:r>
+            <a:r>
+              <a:rPr lang="en-US" sz="2000" b="1" dirty="0" err="1" smtClean="0">
                 <a:latin typeface="Consolas" pitchFamily="49" charset="0"/>
               </a:rPr>
-              <a:t>  </a:t>
-            </a:r>
-            <a:r>
-              <a:rPr lang="en-US" sz="2000" dirty="0" smtClean="0">
-                <a:latin typeface="Consolas" pitchFamily="49" charset="0"/>
-              </a:rPr>
-              <a:t>/</a:t>
-            </a:r>
-            <a:r>
-              <a:rPr lang="en-US" sz="2000" dirty="0" smtClean="0">
-                <a:latin typeface="Consolas" pitchFamily="49" charset="0"/>
-              </a:rPr>
-              <a:t>user/</a:t>
-            </a:r>
-            <a:r>
-              <a:rPr lang="en-US" sz="2000" dirty="0" err="1" smtClean="0">
-                <a:latin typeface="Consolas" pitchFamily="49" charset="0"/>
-              </a:rPr>
               <a:t>dir_name</a:t>
             </a:r>
-            <a:endParaRPr lang="en-US" sz="2000" dirty="0" smtClean="0">
+            <a:endParaRPr lang="en-US" sz="2000" b="1" dirty="0" smtClean="0">
               <a:latin typeface="Consolas" pitchFamily="49" charset="0"/>
             </a:endParaRPr>
           </a:p>
@@ -6028,54 +6069,36 @@
               <a:t>$ $ HADOOP_HOME/bin/</a:t>
             </a:r>
             <a:r>
-              <a:rPr lang="en-US" sz="2000" dirty="0" err="1" smtClean="0">
+              <a:rPr lang="en-US" sz="2000" b="1" dirty="0" err="1" smtClean="0">
                 <a:latin typeface="Consolas" pitchFamily="49" charset="0"/>
               </a:rPr>
               <a:t>hadoop</a:t>
             </a:r>
             <a:r>
-              <a:rPr lang="en-US" sz="2000" dirty="0" smtClean="0">
+              <a:rPr lang="en-US" sz="2000" b="1" dirty="0" smtClean="0">
                 <a:latin typeface="Consolas" pitchFamily="49" charset="0"/>
               </a:rPr>
-              <a:t> </a:t>
-            </a:r>
-            <a:r>
-              <a:rPr lang="en-US" sz="2000" dirty="0" smtClean="0">
+              <a:t>  </a:t>
+            </a:r>
+            <a:r>
+              <a:rPr lang="en-US" sz="2000" b="1" dirty="0" err="1" smtClean="0">
                 <a:latin typeface="Consolas" pitchFamily="49" charset="0"/>
               </a:rPr>
-              <a:t> </a:t>
-            </a:r>
-            <a:r>
-              <a:rPr lang="en-US" sz="2000" dirty="0" err="1" smtClean="0">
+              <a:t>fs</a:t>
+            </a:r>
+            <a:r>
+              <a:rPr lang="en-US" sz="2000" b="1" dirty="0" smtClean="0">
                 <a:latin typeface="Consolas" pitchFamily="49" charset="0"/>
               </a:rPr>
-              <a:t>fs</a:t>
-            </a:r>
-            <a:r>
-              <a:rPr lang="en-US" sz="2000" dirty="0" smtClean="0">
+              <a:t> -put  /home/file.txt  /user/</a:t>
+            </a:r>
+            <a:r>
+              <a:rPr lang="en-US" sz="2000" b="1" dirty="0" err="1" smtClean="0">
                 <a:latin typeface="Consolas" pitchFamily="49" charset="0"/>
               </a:rPr>
-              <a:t> </a:t>
-            </a:r>
-            <a:r>
-              <a:rPr lang="en-US" sz="2000" dirty="0" smtClean="0">
-                <a:latin typeface="Consolas" pitchFamily="49" charset="0"/>
-              </a:rPr>
-              <a:t>-put </a:t>
-            </a:r>
-            <a:r>
-              <a:rPr lang="en-US" sz="2000" dirty="0" smtClean="0">
-                <a:latin typeface="Consolas" pitchFamily="49" charset="0"/>
-              </a:rPr>
-              <a:t> /home/file.txt  /user/</a:t>
-            </a:r>
-            <a:r>
-              <a:rPr lang="en-US" sz="2000" dirty="0" err="1" smtClean="0">
-                <a:latin typeface="Consolas" pitchFamily="49" charset="0"/>
-              </a:rPr>
               <a:t>dir_name</a:t>
             </a:r>
-            <a:endParaRPr lang="en-US" sz="2000" dirty="0" smtClean="0">
+            <a:endParaRPr lang="en-US" sz="2000" b="1" dirty="0" smtClean="0">
               <a:latin typeface="Consolas" pitchFamily="49" charset="0"/>
             </a:endParaRPr>
           </a:p>
@@ -6097,66 +6120,48 @@
               <a:t>$ $ HADOOP_HOME/bin/</a:t>
             </a:r>
             <a:r>
-              <a:rPr lang="en-US" sz="2000" dirty="0" err="1" smtClean="0">
+              <a:rPr lang="en-US" sz="2000" b="1" dirty="0" err="1" smtClean="0">
                 <a:latin typeface="Consolas" pitchFamily="49" charset="0"/>
               </a:rPr>
               <a:t>hadoop</a:t>
             </a:r>
             <a:r>
-              <a:rPr lang="en-US" sz="2000" dirty="0" smtClean="0">
+              <a:rPr lang="en-US" sz="2000" b="1" dirty="0" smtClean="0">
                 <a:latin typeface="Consolas" pitchFamily="49" charset="0"/>
               </a:rPr>
-              <a:t> </a:t>
-            </a:r>
-            <a:r>
-              <a:rPr lang="en-US" sz="2000" dirty="0" smtClean="0">
+              <a:t>  </a:t>
+            </a:r>
+            <a:r>
+              <a:rPr lang="en-US" sz="2000" b="1" dirty="0" err="1" smtClean="0">
                 <a:latin typeface="Consolas" pitchFamily="49" charset="0"/>
               </a:rPr>
-              <a:t> </a:t>
-            </a:r>
-            <a:r>
-              <a:rPr lang="en-US" sz="2000" dirty="0" err="1" smtClean="0">
+              <a:t>fs</a:t>
+            </a:r>
+            <a:r>
+              <a:rPr lang="en-US" sz="2000" b="1" dirty="0" smtClean="0">
                 <a:latin typeface="Consolas" pitchFamily="49" charset="0"/>
               </a:rPr>
-              <a:t>fs</a:t>
-            </a:r>
-            <a:r>
-              <a:rPr lang="en-US" sz="2000" dirty="0" smtClean="0">
+              <a:t> -</a:t>
+            </a:r>
+            <a:r>
+              <a:rPr lang="en-US" sz="2000" b="1" dirty="0" err="1" smtClean="0">
                 <a:latin typeface="Consolas" pitchFamily="49" charset="0"/>
               </a:rPr>
-              <a:t> </a:t>
-            </a:r>
-            <a:r>
-              <a:rPr lang="en-US" sz="2000" dirty="0" smtClean="0">
+              <a:t>ls</a:t>
+            </a:r>
+            <a:r>
+              <a:rPr lang="en-US" sz="2000" b="1" dirty="0" smtClean="0">
                 <a:latin typeface="Consolas" pitchFamily="49" charset="0"/>
               </a:rPr>
-              <a:t>-</a:t>
-            </a:r>
-            <a:r>
-              <a:rPr lang="en-US" sz="2000" dirty="0" err="1" smtClean="0">
+              <a:t>  /user/</a:t>
+            </a:r>
+            <a:r>
+              <a:rPr lang="en-US" sz="2000" b="1" dirty="0" err="1" smtClean="0">
                 <a:latin typeface="Consolas" pitchFamily="49" charset="0"/>
               </a:rPr>
-              <a:t>ls</a:t>
-            </a:r>
-            <a:r>
-              <a:rPr lang="en-US" sz="2000" dirty="0" smtClean="0">
-                <a:latin typeface="Consolas" pitchFamily="49" charset="0"/>
-              </a:rPr>
-              <a:t> </a:t>
-            </a:r>
-            <a:r>
-              <a:rPr lang="en-US" sz="2000" dirty="0" smtClean="0">
-                <a:latin typeface="Consolas" pitchFamily="49" charset="0"/>
-              </a:rPr>
-              <a:t> /user/</a:t>
-            </a:r>
-            <a:r>
-              <a:rPr lang="en-US" sz="2000" dirty="0" err="1" smtClean="0">
-                <a:latin typeface="Consolas" pitchFamily="49" charset="0"/>
-              </a:rPr>
               <a:t>dir_name</a:t>
             </a:r>
-            <a:endParaRPr lang="en-US" sz="2000" dirty="0" smtClean="0">
+            <a:endParaRPr lang="en-US" sz="2000" b="1" dirty="0" smtClean="0">
               <a:latin typeface="Consolas" pitchFamily="49" charset="0"/>
             </a:endParaRPr>
           </a:p>
@@ -6449,62 +6454,53 @@
               <a:t>$ $ HADOOP_HOME/bin/</a:t>
             </a:r>
             <a:r>
-              <a:rPr lang="en-US" sz="2000" dirty="0" err="1" smtClean="0">
+              <a:rPr lang="en-US" sz="2000" b="1" dirty="0" err="1" smtClean="0">
                 <a:latin typeface="Consolas" pitchFamily="49" charset="0"/>
               </a:rPr>
               <a:t>hadoop</a:t>
             </a:r>
             <a:r>
-              <a:rPr lang="en-US" sz="2000" dirty="0" smtClean="0">
+              <a:rPr lang="en-US" sz="2000" b="1" dirty="0" smtClean="0">
                 <a:latin typeface="Consolas" pitchFamily="49" charset="0"/>
               </a:rPr>
               <a:t> </a:t>
             </a:r>
             <a:r>
-              <a:rPr lang="en-US" sz="2000" dirty="0" err="1" smtClean="0">
+              <a:rPr lang="en-US" sz="2000" b="1" dirty="0" smtClean="0">
                 <a:latin typeface="Consolas" pitchFamily="49" charset="0"/>
               </a:rPr>
+              <a:t> </a:t>
+            </a:r>
+            <a:r>
+              <a:rPr lang="en-US" sz="2000" b="1" dirty="0" err="1" smtClean="0">
+                <a:latin typeface="Consolas" pitchFamily="49" charset="0"/>
+              </a:rPr>
               <a:t>fs</a:t>
             </a:r>
             <a:r>
-              <a:rPr lang="en-US" sz="2000" dirty="0" smtClean="0">
+              <a:rPr lang="en-US" sz="2000" b="1" dirty="0" smtClean="0">
                 <a:latin typeface="Consolas" pitchFamily="49" charset="0"/>
               </a:rPr>
-              <a:t> </a:t>
-            </a:r>
-            <a:r>
-              <a:rPr lang="en-US" sz="2000" dirty="0" smtClean="0">
+              <a:t>  </a:t>
+            </a:r>
+            <a:r>
+              <a:rPr lang="en-US" sz="2000" b="1" dirty="0" smtClean="0">
                 <a:latin typeface="Consolas" pitchFamily="49" charset="0"/>
               </a:rPr>
-              <a:t> -</a:t>
-            </a:r>
-            <a:r>
-              <a:rPr lang="en-US" sz="2000" dirty="0" smtClean="0">
+              <a:t>-cat  /user/</a:t>
+            </a:r>
+            <a:r>
+              <a:rPr lang="en-US" sz="2000" b="1" dirty="0" err="1" smtClean="0">
                 <a:latin typeface="Consolas" pitchFamily="49" charset="0"/>
               </a:rPr>
-              <a:t>cat </a:t>
-            </a:r>
-            <a:r>
-              <a:rPr lang="en-US" sz="2000" dirty="0" smtClean="0">
+              <a:t>dir_name</a:t>
+            </a:r>
+            <a:r>
+              <a:rPr lang="en-US" sz="2000" b="1" dirty="0" smtClean="0">
                 <a:latin typeface="Consolas" pitchFamily="49" charset="0"/>
               </a:rPr>
-              <a:t> /user/</a:t>
-            </a:r>
-            <a:r>
-              <a:rPr lang="en-US" sz="2000" dirty="0" err="1" smtClean="0">
-                <a:latin typeface="Consolas" pitchFamily="49" charset="0"/>
-              </a:rPr>
-              <a:t>dir_name</a:t>
-            </a:r>
-            <a:r>
-              <a:rPr lang="en-US" sz="2000" dirty="0" smtClean="0">
-                <a:latin typeface="Consolas" pitchFamily="49" charset="0"/>
-              </a:rPr>
               <a:t>/file</a:t>
             </a:r>
-            <a:endParaRPr lang="en-US" sz="2000" dirty="0" smtClean="0">
-              <a:latin typeface="Consolas" pitchFamily="49" charset="0"/>
-            </a:endParaRPr>
           </a:p>
           <a:p>
             <a:pPr marL="623888" lvl="0" indent="-361950" algn="just" defTabSz="914400">
@@ -6521,82 +6517,46 @@
               <a:rPr lang="en-US" sz="2000" dirty="0" smtClean="0">
                 <a:latin typeface="Consolas" pitchFamily="49" charset="0"/>
               </a:rPr>
-              <a:t>$ $ HADOOP_HOME/bin/</a:t>
-            </a:r>
-            <a:r>
-              <a:rPr lang="en-US" sz="2000" dirty="0" err="1" smtClean="0">
-                <a:latin typeface="Consolas" pitchFamily="49" charset="0"/>
-              </a:rPr>
-              <a:t>hadoop</a:t>
+              <a:t>$ $ </a:t>
             </a:r>
             <a:r>
               <a:rPr lang="en-US" sz="2000" dirty="0" smtClean="0">
                 <a:latin typeface="Consolas" pitchFamily="49" charset="0"/>
               </a:rPr>
-              <a:t> </a:t>
-            </a:r>
-            <a:r>
-              <a:rPr lang="en-US" sz="2000" dirty="0" err="1" smtClean="0">
+              <a:t>HADOOP_HOME/bin/</a:t>
+            </a:r>
+            <a:r>
+              <a:rPr lang="en-US" sz="2000" b="1" dirty="0" err="1" smtClean="0">
                 <a:latin typeface="Consolas" pitchFamily="49" charset="0"/>
               </a:rPr>
+              <a:t>hadoop</a:t>
+            </a:r>
+            <a:r>
+              <a:rPr lang="en-US" sz="2000" b="1" dirty="0" smtClean="0">
+                <a:latin typeface="Consolas" pitchFamily="49" charset="0"/>
+              </a:rPr>
+              <a:t>  </a:t>
+            </a:r>
+            <a:r>
+              <a:rPr lang="en-US" sz="2000" b="1" dirty="0" err="1" smtClean="0">
+                <a:latin typeface="Consolas" pitchFamily="49" charset="0"/>
+              </a:rPr>
               <a:t>fs</a:t>
             </a:r>
             <a:r>
-              <a:rPr lang="en-US" sz="2000" dirty="0" smtClean="0">
+              <a:rPr lang="en-US" sz="2000" b="1" dirty="0" smtClean="0">
                 <a:latin typeface="Consolas" pitchFamily="49" charset="0"/>
               </a:rPr>
-              <a:t> </a:t>
-            </a:r>
-            <a:r>
-              <a:rPr lang="en-US" sz="2000" dirty="0" smtClean="0">
+              <a:t>  -get  /user/output/   /home/</a:t>
+            </a:r>
+            <a:r>
+              <a:rPr lang="en-US" sz="2000" b="1" dirty="0" err="1" smtClean="0">
                 <a:latin typeface="Consolas" pitchFamily="49" charset="0"/>
               </a:rPr>
-              <a:t> -</a:t>
-            </a:r>
-            <a:r>
-              <a:rPr lang="en-US" sz="2000" dirty="0" smtClean="0">
-                <a:latin typeface="Consolas" pitchFamily="49" charset="0"/>
-              </a:rPr>
-              <a:t>get </a:t>
-            </a:r>
-            <a:r>
-              <a:rPr lang="en-US" sz="2000" dirty="0" smtClean="0">
-                <a:latin typeface="Consolas" pitchFamily="49" charset="0"/>
-              </a:rPr>
-              <a:t> /</a:t>
-            </a:r>
-            <a:r>
-              <a:rPr lang="en-US" sz="2000" dirty="0" smtClean="0">
-                <a:latin typeface="Consolas" pitchFamily="49" charset="0"/>
-              </a:rPr>
-              <a:t>user/output</a:t>
-            </a:r>
-            <a:r>
-              <a:rPr lang="en-US" sz="2000" dirty="0" smtClean="0">
-                <a:latin typeface="Consolas" pitchFamily="49" charset="0"/>
-              </a:rPr>
-              <a:t>/   </a:t>
-            </a:r>
-            <a:r>
-              <a:rPr lang="en-US" sz="2000" dirty="0" smtClean="0">
-                <a:latin typeface="Consolas" pitchFamily="49" charset="0"/>
-              </a:rPr>
-              <a:t>/</a:t>
-            </a:r>
-            <a:r>
-              <a:rPr lang="en-US" sz="2000" dirty="0" smtClean="0">
-                <a:latin typeface="Consolas" pitchFamily="49" charset="0"/>
-              </a:rPr>
-              <a:t>home/</a:t>
-            </a:r>
-            <a:r>
-              <a:rPr lang="en-US" sz="2000" dirty="0" err="1" smtClean="0">
-                <a:latin typeface="Consolas" pitchFamily="49" charset="0"/>
-              </a:rPr>
               <a:t>hadoop_tp</a:t>
             </a:r>
             <a:r>
-              <a:rPr lang="en-US" sz="2000" dirty="0" smtClean="0">
+              <a:rPr lang="en-US" sz="2000" b="1" dirty="0" smtClean="0">
                 <a:latin typeface="Consolas" pitchFamily="49" charset="0"/>
               </a:rPr>
               <a:t>/</a:t>
@@ -6652,10 +6612,16 @@
               <a:t>$ </a:t>
             </a:r>
             <a:r>
+              <a:rPr lang="en-US" sz="2000" b="1" dirty="0" smtClean="0">
+                <a:latin typeface="Consolas" pitchFamily="49" charset="0"/>
+              </a:rPr>
+              <a:t>stop-dfs.sh</a:t>
+            </a:r>
+            <a:r>
               <a:rPr lang="en-US" sz="2000" dirty="0" smtClean="0">
                 <a:latin typeface="Consolas" pitchFamily="49" charset="0"/>
               </a:rPr>
-              <a:t>stop-dfs.sh </a:t>
+              <a:t> </a:t>
             </a:r>
             <a:r>
               <a:rPr lang="en-US" sz="2000" dirty="0" smtClean="0">
@@ -6676,7 +6642,7 @@
               <a:t>    	$ </a:t>
             </a:r>
             <a:r>
-              <a:rPr lang="en-US" sz="2000" dirty="0" smtClean="0">
+              <a:rPr lang="en-US" sz="2000" b="1" dirty="0" smtClean="0">
                 <a:latin typeface="Consolas" pitchFamily="49" charset="0"/>
               </a:rPr>
               <a:t>stop-all.sh</a:t>
@@ -6774,32 +6740,56 @@
               <a:buChar char="E"/>
             </a:pPr>
             <a:r>
-              <a:rPr lang="en-IN" sz="2800" dirty="0" smtClean="0">
-                <a:latin typeface="Times New Roman" pitchFamily="18" charset="0"/>
-                <a:cs typeface="Times New Roman" pitchFamily="18" charset="0"/>
-              </a:rPr>
-              <a:t> </a:t>
-            </a:r>
+              <a:rPr lang="en-IN" sz="2400" dirty="0" smtClean="0">
+                <a:latin typeface="Times New Roman" pitchFamily="18" charset="0"/>
+                <a:cs typeface="Times New Roman" pitchFamily="18" charset="0"/>
+              </a:rPr>
+              <a:t>“Understanding Big Data”  … McGraw Hill,2012.</a:t>
+            </a:r>
+          </a:p>
+          <a:p>
+            <a:pPr marL="539750" indent="-506413" algn="just">
+              <a:buSzPct val="130000"/>
+              <a:buNone/>
+            </a:pPr>
+            <a:r>
+              <a:rPr lang="en-IN" sz="2400" dirty="0" smtClean="0">
+                <a:latin typeface="Times New Roman" pitchFamily="18" charset="0"/>
+                <a:cs typeface="Times New Roman" pitchFamily="18" charset="0"/>
+              </a:rPr>
+              <a:t>	</a:t>
+            </a:r>
+            <a:r>
+              <a:rPr lang="en-IN" sz="2400" dirty="0" smtClean="0">
+                <a:latin typeface="Times New Roman" pitchFamily="18" charset="0"/>
+                <a:cs typeface="Times New Roman" pitchFamily="18" charset="0"/>
+              </a:rPr>
+              <a:t>  Author:  Chris Eaton, Dirk Derooset.</a:t>
+            </a:r>
+            <a:endParaRPr lang="en-IN" sz="2800" dirty="0" smtClean="0">
+              <a:latin typeface="Times New Roman" pitchFamily="18" charset="0"/>
+              <a:cs typeface="Times New Roman" pitchFamily="18" charset="0"/>
+            </a:endParaRPr>
+          </a:p>
+          <a:p>
+            <a:pPr marL="539750" indent="-506413" algn="just">
+              <a:buSzPct val="130000"/>
+              <a:buFont typeface="Wingdings 2" pitchFamily="18" charset="2"/>
+              <a:buChar char="E"/>
+            </a:pPr>
             <a:r>
               <a:rPr lang="en-US" sz="2400" dirty="0" smtClean="0">
                 <a:latin typeface="Times New Roman" panose="02020603050405020304" pitchFamily="18" charset="0"/>
                 <a:cs typeface="Times New Roman" panose="02020603050405020304" pitchFamily="18" charset="0"/>
               </a:rPr>
-              <a:t>Accessed [</a:t>
+              <a:t>Accessed </a:t>
             </a:r>
             <a:r>
               <a:rPr lang="en-US" sz="2400" dirty="0" smtClean="0">
                 <a:latin typeface="Times New Roman" panose="02020603050405020304" pitchFamily="18" charset="0"/>
                 <a:cs typeface="Times New Roman" panose="02020603050405020304" pitchFamily="18" charset="0"/>
               </a:rPr>
-              <a:t>05/08/2018</a:t>
-            </a:r>
-            <a:r>
-              <a:rPr lang="en-US" sz="2400" dirty="0" smtClean="0">
-                <a:latin typeface="Times New Roman" panose="02020603050405020304" pitchFamily="18" charset="0"/>
-                <a:cs typeface="Times New Roman" panose="02020603050405020304" pitchFamily="18" charset="0"/>
-              </a:rPr>
-              <a:t>]. Available : </a:t>
+              <a:t>[05/08/2018]. Available : </a:t>
             </a:r>
             <a:r>
               <a:rPr lang="en-US" sz="2400" b="1" u="sng" dirty="0" smtClean="0">
@@ -6819,32 +6809,18 @@
               <a:buChar char="E"/>
             </a:pPr>
             <a:r>
-              <a:rPr lang="en-IN" sz="2800" dirty="0" smtClean="0">
-                <a:latin typeface="Times New Roman" pitchFamily="18" charset="0"/>
-                <a:cs typeface="Times New Roman" pitchFamily="18" charset="0"/>
-              </a:rPr>
-              <a:t> </a:t>
-            </a:r>
-            <a:r>
               <a:rPr lang="en-US" sz="2400" dirty="0" smtClean="0">
                 <a:latin typeface="Times New Roman" panose="02020603050405020304" pitchFamily="18" charset="0"/>
                 <a:cs typeface="Times New Roman" panose="02020603050405020304" pitchFamily="18" charset="0"/>
               </a:rPr>
-              <a:t>Accessed [</a:t>
+              <a:t>Accessed </a:t>
             </a:r>
             <a:r>
               <a:rPr lang="en-US" sz="2400" dirty="0" smtClean="0">
                 <a:latin typeface="Times New Roman" panose="02020603050405020304" pitchFamily="18" charset="0"/>
                 <a:cs typeface="Times New Roman" panose="02020603050405020304" pitchFamily="18" charset="0"/>
               </a:rPr>
-              <a:t>05/08/2018</a:t>
-            </a:r>
-            <a:r>
-              <a:rPr lang="en-US" sz="2400" dirty="0" smtClean="0">
-                <a:latin typeface="Times New Roman" panose="02020603050405020304" pitchFamily="18" charset="0"/>
-                <a:cs typeface="Times New Roman" panose="02020603050405020304" pitchFamily="18" charset="0"/>
-              </a:rPr>
-              <a:t>]. Available : </a:t>
+              <a:t>[05/08/2018]. Available : </a:t>
             </a:r>
             <a:r>
               <a:rPr lang="en-US" sz="2400" b="1" u="sng" dirty="0" smtClean="0">
@@ -6866,6 +6842,19 @@
               </a:rPr>
               <a:t>www.youtube.com</a:t>
             </a:r>
+            <a:endParaRPr lang="en-US" sz="2400" dirty="0" smtClean="0">
+              <a:solidFill>
+                <a:srgbClr val="000066"/>
+              </a:solidFill>
+              <a:latin typeface="Times New Roman" panose="02020603050405020304" pitchFamily="18" charset="0"/>
+              <a:cs typeface="Times New Roman" panose="02020603050405020304" pitchFamily="18" charset="0"/>
+            </a:endParaRPr>
+          </a:p>
+          <a:p>
+            <a:pPr marL="539750" indent="-506413" algn="just">
+              <a:buSzPct val="130000"/>
+              <a:buNone/>
+            </a:pPr>
             <a:endParaRPr lang="en-US" sz="2400" b="1" u="sng" dirty="0" smtClean="0">
               <a:solidFill>
                 <a:srgbClr val="000066"/>
@@ -6880,19 +6869,75 @@
               <a:buFont typeface="Wingdings 2" pitchFamily="18" charset="2"/>
               <a:buChar char="E"/>
             </a:pPr>
+            <a:endParaRPr lang="en-US" sz="2400" b="1" u="sng" dirty="0" smtClean="0">
+              <a:solidFill>
+                <a:srgbClr val="000066"/>
+              </a:solidFill>
+              <a:latin typeface="Times New Roman" panose="02020603050405020304" pitchFamily="18" charset="0"/>
+              <a:cs typeface="Times New Roman" panose="02020603050405020304" pitchFamily="18" charset="0"/>
+            </a:endParaRPr>
+          </a:p>
+          <a:p>
+            <a:pPr marL="539750" indent="-506413" algn="just">
+              <a:buSzPct val="130000"/>
+              <a:buFont typeface="Wingdings 2" pitchFamily="18" charset="2"/>
+              <a:buChar char="E"/>
+            </a:pPr>
+            <a:endParaRPr lang="en-US" sz="2400" b="1" u="sng" dirty="0" smtClean="0">
+              <a:solidFill>
+                <a:srgbClr val="000066"/>
+              </a:solidFill>
+              <a:latin typeface="Times New Roman" panose="02020603050405020304" pitchFamily="18" charset="0"/>
+              <a:cs typeface="Times New Roman" panose="02020603050405020304" pitchFamily="18" charset="0"/>
+            </a:endParaRPr>
+          </a:p>
+          <a:p>
+            <a:pPr marL="539750" indent="-506413" algn="just">
+              <a:buSzPct val="130000"/>
+              <a:buFont typeface="Wingdings 2" pitchFamily="18" charset="2"/>
+              <a:buChar char="E"/>
+            </a:pPr>
+            <a:endParaRPr lang="en-US" sz="2400" b="1" u="sng" dirty="0" smtClean="0">
+              <a:solidFill>
+                <a:srgbClr val="000066"/>
+              </a:solidFill>
+              <a:latin typeface="Times New Roman" panose="02020603050405020304" pitchFamily="18" charset="0"/>
+              <a:cs typeface="Times New Roman" panose="02020603050405020304" pitchFamily="18" charset="0"/>
+            </a:endParaRPr>
+          </a:p>
+          <a:p>
+            <a:pPr marL="539750" indent="-506413" algn="just">
+              <a:buSzPct val="130000"/>
+              <a:buFont typeface="Wingdings 2" pitchFamily="18" charset="2"/>
+              <a:buChar char="E"/>
+            </a:pPr>
+            <a:r>
+              <a:rPr lang="en-IN" sz="2400" dirty="0" smtClean="0">
+                <a:latin typeface="Times New Roman" pitchFamily="18" charset="0"/>
+                <a:cs typeface="Times New Roman" pitchFamily="18" charset="0"/>
+              </a:rPr>
+              <a:t>Source</a:t>
+            </a:r>
             <a:r>
               <a:rPr lang="en-IN" sz="2800" dirty="0" smtClean="0">
                 <a:latin typeface="Times New Roman" pitchFamily="18" charset="0"/>
                 <a:cs typeface="Times New Roman" pitchFamily="18" charset="0"/>
               </a:rPr>
-              <a:t> </a:t>
+              <a:t> is </a:t>
             </a:r>
             <a:r>
               <a:rPr lang="en-IN" sz="2400" dirty="0" smtClean="0">
                 <a:latin typeface="Times New Roman" pitchFamily="18" charset="0"/>
                 <a:cs typeface="Times New Roman" pitchFamily="18" charset="0"/>
               </a:rPr>
-              <a:t>Also Available on my github site:</a:t>
+              <a:t>available </a:t>
+            </a:r>
+            <a:r>
+              <a:rPr lang="en-IN" sz="2400" dirty="0" smtClean="0">
+                <a:latin typeface="Times New Roman" pitchFamily="18" charset="0"/>
+                <a:cs typeface="Times New Roman" pitchFamily="18" charset="0"/>
+              </a:rPr>
+              <a:t>on my github site:</a:t>
             </a:r>
           </a:p>
           <a:p>
@@ -7076,6 +7121,240 @@
           <a:effectLst/>
         </p:spPr>
       </p:pic>
+      <p:pic>
+        <p:nvPicPr>
+          <p:cNvPr id="3" name="Picture 6" descr="C:\Users\Hello\Desktop\Instagram_icon.png"/>
+          <p:cNvPicPr>
+            <a:picLocks noChangeAspect="1" noChangeArrowheads="1"/>
+          </p:cNvPicPr>
+          <p:nvPr/>
+        </p:nvPicPr>
+        <p:blipFill>
+          <a:blip r:embed="rId3" cstate="print"/>
+          <a:srcRect/>
+          <a:stretch>
+            <a:fillRect/>
+          </a:stretch>
+        </p:blipFill>
+        <p:spPr bwMode="auto">
+          <a:xfrm>
+            <a:off x="1066006" y="3429794"/>
+            <a:ext cx="838200" cy="841462"/>
+          </a:xfrm>
+          <a:prstGeom prst="rect">
+            <a:avLst/>
+          </a:prstGeom>
+          <a:noFill/>
+        </p:spPr>
+      </p:pic>
+      <p:pic>
+        <p:nvPicPr>
+          <p:cNvPr id="4" name="Picture 7" descr="C:\Users\Hello\Desktop\unnamed.png"/>
+          <p:cNvPicPr>
+            <a:picLocks noChangeAspect="1" noChangeArrowheads="1"/>
+          </p:cNvPicPr>
+          <p:nvPr/>
+        </p:nvPicPr>
+        <p:blipFill>
+          <a:blip r:embed="rId4" cstate="print"/>
+          <a:srcRect/>
+          <a:stretch>
+            <a:fillRect/>
+          </a:stretch>
+        </p:blipFill>
+        <p:spPr bwMode="auto">
+          <a:xfrm>
+            <a:off x="10133806" y="3124994"/>
+            <a:ext cx="911745" cy="914400"/>
+          </a:xfrm>
+          <a:prstGeom prst="rect">
+            <a:avLst/>
+          </a:prstGeom>
+          <a:noFill/>
+        </p:spPr>
+      </p:pic>
+      <p:pic>
+        <p:nvPicPr>
+          <p:cNvPr id="5" name="Picture 8" descr="C:\Users\Hello\Desktop\logo-facebook.png"/>
+          <p:cNvPicPr>
+            <a:picLocks noChangeAspect="1" noChangeArrowheads="1"/>
+          </p:cNvPicPr>
+          <p:nvPr/>
+        </p:nvPicPr>
+        <p:blipFill>
+          <a:blip r:embed="rId5" cstate="print"/>
+          <a:srcRect/>
+          <a:stretch>
+            <a:fillRect/>
+          </a:stretch>
+        </p:blipFill>
+        <p:spPr bwMode="auto">
+          <a:xfrm>
+            <a:off x="989806" y="1372394"/>
+            <a:ext cx="1066800" cy="1069906"/>
+          </a:xfrm>
+          <a:prstGeom prst="rect">
+            <a:avLst/>
+          </a:prstGeom>
+          <a:noFill/>
+        </p:spPr>
+      </p:pic>
+      <p:pic>
+        <p:nvPicPr>
+          <p:cNvPr id="6" name="Picture 10" descr="C:\Users\Hello\Desktop\Twitter_bird_logo_2012.svg.png"/>
+          <p:cNvPicPr>
+            <a:picLocks noChangeAspect="1" noChangeArrowheads="1"/>
+          </p:cNvPicPr>
+          <p:nvPr/>
+        </p:nvPicPr>
+        <p:blipFill>
+          <a:blip r:embed="rId6"/>
+          <a:srcRect/>
+          <a:stretch>
+            <a:fillRect/>
+          </a:stretch>
+        </p:blipFill>
+        <p:spPr bwMode="auto">
+          <a:xfrm>
+            <a:off x="10133806" y="915194"/>
+            <a:ext cx="990600" cy="806400"/>
+          </a:xfrm>
+          <a:prstGeom prst="rect">
+            <a:avLst/>
+          </a:prstGeom>
+          <a:noFill/>
+        </p:spPr>
+      </p:pic>
+      <p:pic>
+        <p:nvPicPr>
+          <p:cNvPr id="7" name="Picture 11" descr="C:\Users\Hello\Desktop\1014px-New_Logo_Gmail.svg.png"/>
+          <p:cNvPicPr>
+            <a:picLocks noChangeAspect="1" noChangeArrowheads="1"/>
+          </p:cNvPicPr>
+          <p:nvPr/>
+        </p:nvPicPr>
+        <p:blipFill>
+          <a:blip r:embed="rId7" cstate="print"/>
+          <a:srcRect/>
+          <a:stretch>
+            <a:fillRect/>
+          </a:stretch>
+        </p:blipFill>
+        <p:spPr bwMode="auto">
+          <a:xfrm>
+            <a:off x="2437606" y="5182394"/>
+            <a:ext cx="1011393" cy="768256"/>
+          </a:xfrm>
+          <a:prstGeom prst="rect">
+            <a:avLst/>
+          </a:prstGeom>
+          <a:noFill/>
+        </p:spPr>
+      </p:pic>
+      <p:pic>
+        <p:nvPicPr>
+          <p:cNvPr id="8" name="Picture 13" descr="C:\Users\Hello\Desktop\googlelogo_color_272x92dp.png"/>
+          <p:cNvPicPr>
+            <a:picLocks noChangeAspect="1" noChangeArrowheads="1"/>
+          </p:cNvPicPr>
+          <p:nvPr/>
+        </p:nvPicPr>
+        <p:blipFill>
+          <a:blip r:embed="rId8" cstate="print"/>
+          <a:srcRect/>
+          <a:stretch>
+            <a:fillRect/>
+          </a:stretch>
+        </p:blipFill>
+        <p:spPr bwMode="auto">
+          <a:xfrm>
+            <a:off x="5084359" y="5639594"/>
+            <a:ext cx="2021694" cy="685800"/>
+          </a:xfrm>
+          <a:prstGeom prst="rect">
+            <a:avLst/>
+          </a:prstGeom>
+          <a:noFill/>
+        </p:spPr>
+      </p:pic>
+      <p:pic>
+        <p:nvPicPr>
+          <p:cNvPr id="9" name="Picture 17" descr="C:\Users\Hello\Desktop\youtube-logo-png-photo-0 (1).png"/>
+          <p:cNvPicPr>
+            <a:picLocks noChangeAspect="1" noChangeArrowheads="1"/>
+          </p:cNvPicPr>
+          <p:nvPr/>
+        </p:nvPicPr>
+        <p:blipFill>
+          <a:blip r:embed="rId9" cstate="print"/>
+          <a:srcRect/>
+          <a:stretch>
+            <a:fillRect/>
+          </a:stretch>
+        </p:blipFill>
+        <p:spPr bwMode="auto">
+          <a:xfrm>
+            <a:off x="8152606" y="4420394"/>
+            <a:ext cx="2228709" cy="1676400"/>
+          </a:xfrm>
+          <a:prstGeom prst="rect">
+            <a:avLst/>
+          </a:prstGeom>
+          <a:noFill/>
+        </p:spPr>
+      </p:pic>
+      <p:pic>
+        <p:nvPicPr>
+          <p:cNvPr id="1027" name="Picture 3" descr="C:\Users\Hello\Desktop\download.jpg"/>
+          <p:cNvPicPr>
+            <a:picLocks noChangeAspect="1" noChangeArrowheads="1"/>
+          </p:cNvPicPr>
+          <p:nvPr/>
+        </p:nvPicPr>
+        <p:blipFill>
+          <a:blip r:embed="rId10"/>
+          <a:srcRect t="31843" b="31071"/>
+          <a:stretch>
+            <a:fillRect/>
+          </a:stretch>
+        </p:blipFill>
+        <p:spPr bwMode="auto">
+          <a:xfrm>
+            <a:off x="2590006" y="534194"/>
+            <a:ext cx="1438275" cy="533400"/>
+          </a:xfrm>
+          <a:prstGeom prst="rect">
+            <a:avLst/>
+          </a:prstGeom>
+          <a:noFill/>
+        </p:spPr>
+      </p:pic>
+      <p:pic>
+        <p:nvPicPr>
+          <p:cNvPr id="1028" name="Picture 4" descr="C:\Users\Hello\Desktop\evidenza13.jpg"/>
+          <p:cNvPicPr>
+            <a:picLocks noChangeAspect="1" noChangeArrowheads="1"/>
+          </p:cNvPicPr>
+          <p:nvPr/>
+        </p:nvPicPr>
+        <p:blipFill>
+          <a:blip r:embed="rId11" cstate="print"/>
+          <a:srcRect/>
+          <a:stretch>
+            <a:fillRect/>
+          </a:stretch>
+        </p:blipFill>
+        <p:spPr bwMode="auto">
+          <a:xfrm>
+            <a:off x="5028406" y="381794"/>
+            <a:ext cx="1756444" cy="720000"/>
+          </a:xfrm>
+          <a:prstGeom prst="rect">
+            <a:avLst/>
+          </a:prstGeom>
+          <a:noFill/>
+        </p:spPr>
+      </p:pic>
     </p:spTree>
   </p:cSld>
   <p:clrMapOvr>
@@ -7214,24 +7493,24 @@
                 <a:latin typeface="Times New Roman" pitchFamily="18" charset="0"/>
                 <a:cs typeface="Times New Roman" pitchFamily="18" charset="0"/>
               </a:rPr>
-              <a:t>Goals of </a:t>
-            </a:r>
+              <a:t>Goals of HDFS</a:t>
+            </a:r>
+          </a:p>
+          <a:p>
+            <a:pPr marL="363515" indent="-363515"/>
             <a:r>
               <a:rPr lang="en-US" dirty="0" smtClean="0">
                 <a:latin typeface="Times New Roman" pitchFamily="18" charset="0"/>
                 <a:cs typeface="Times New Roman" pitchFamily="18" charset="0"/>
               </a:rPr>
-              <a:t>HDFS</a:t>
-            </a:r>
-          </a:p>
-          <a:p>
-            <a:pPr marL="363515" indent="-363515"/>
+              <a:t>HDFS </a:t>
+            </a:r>
             <a:r>
               <a:rPr lang="en-US" dirty="0" smtClean="0">
                 <a:latin typeface="Times New Roman" pitchFamily="18" charset="0"/>
                 <a:cs typeface="Times New Roman" pitchFamily="18" charset="0"/>
               </a:rPr>
-              <a:t>HDFS Operations</a:t>
+              <a:t>Operations (Commands)</a:t>
             </a:r>
             <a:endParaRPr lang="en-US" dirty="0" smtClean="0">
               <a:latin typeface="Times New Roman" pitchFamily="18" charset="0"/>
@@ -7456,7 +7735,21 @@
                 <a:latin typeface="Times New Roman" pitchFamily="18" charset="0"/>
                 <a:cs typeface="Times New Roman" pitchFamily="18" charset="0"/>
               </a:rPr>
-              <a:t>Big Data is a collection of large datasets that cannot be processed using traditional computing techniques.</a:t>
+              <a:t>Collection of  </a:t>
+            </a:r>
+            <a:r>
+              <a:rPr lang="en-IN" sz="2400" b="1" dirty="0" smtClean="0">
+                <a:latin typeface="Times New Roman" pitchFamily="18" charset="0"/>
+                <a:cs typeface="Times New Roman" pitchFamily="18" charset="0"/>
+              </a:rPr>
+              <a:t>large datasets</a:t>
+            </a:r>
+            <a:r>
+              <a:rPr lang="en-IN" sz="2400" dirty="0" smtClean="0">
+                <a:latin typeface="Times New Roman" pitchFamily="18" charset="0"/>
+                <a:cs typeface="Times New Roman" pitchFamily="18" charset="0"/>
+              </a:rPr>
+              <a:t>.</a:t>
             </a:r>
           </a:p>
           <a:p>
@@ -7473,61 +7766,53 @@
                 <a:latin typeface="Times New Roman" pitchFamily="18" charset="0"/>
                 <a:cs typeface="Times New Roman" pitchFamily="18" charset="0"/>
               </a:rPr>
-              <a:t>Big data involves the data produced by different devices and applications. The data in it will be of three types. </a:t>
-            </a:r>
-          </a:p>
-          <a:p>
-            <a:pPr marL="1173163" lvl="2" indent="-271463" algn="just">
+              <a:t>Produced by different devices and applications. </a:t>
+            </a:r>
+            <a:r>
+              <a:rPr lang="en-IN" sz="2400" dirty="0" smtClean="0">
+                <a:latin typeface="Times New Roman" pitchFamily="18" charset="0"/>
+                <a:cs typeface="Times New Roman" pitchFamily="18" charset="0"/>
+                <a:sym typeface="Wingdings" pitchFamily="2" charset="2"/>
+              </a:rPr>
+              <a:t></a:t>
+            </a:r>
+            <a:endParaRPr lang="en-IN" sz="2400" dirty="0" smtClean="0">
+              <a:latin typeface="Times New Roman" pitchFamily="18" charset="0"/>
+              <a:cs typeface="Times New Roman" pitchFamily="18" charset="0"/>
+            </a:endParaRPr>
+          </a:p>
+          <a:p>
+            <a:pPr marL="719138" lvl="1" indent="-450850" algn="just">
               <a:buClr>
-                <a:schemeClr val="accent3">
-                  <a:lumMod val="50000"/>
-                </a:schemeClr>
+                <a:srgbClr val="00B050"/>
               </a:buClr>
-              <a:buFont typeface="Wingdings" pitchFamily="2" charset="2"/>
-              <a:buChar char="§"/>
+              <a:buSzPct val="120000"/>
+              <a:buFont typeface="Wingdings 2" pitchFamily="18" charset="2"/>
+              <a:buChar char=""/>
             </a:pPr>
             <a:r>
-              <a:rPr lang="en-US" dirty="0" smtClean="0">
-                <a:latin typeface="Times New Roman" pitchFamily="18" charset="0"/>
-                <a:cs typeface="Times New Roman" pitchFamily="18" charset="0"/>
-              </a:rPr>
-              <a:t>Structured data: Relational data. </a:t>
-            </a:r>
-          </a:p>
-          <a:p>
-            <a:pPr marL="1173163" lvl="2" indent="-271463" algn="just">
+              <a:rPr lang="en-IN" sz="2400" dirty="0" smtClean="0">
+                <a:latin typeface="Times New Roman" pitchFamily="18" charset="0"/>
+                <a:cs typeface="Times New Roman" pitchFamily="18" charset="0"/>
+              </a:rPr>
+              <a:t>Can’t be processed using traditional computing techniques.</a:t>
+            </a:r>
+          </a:p>
+          <a:p>
+            <a:pPr marL="719138" lvl="1" indent="-450850" algn="just">
               <a:buClr>
-                <a:schemeClr val="accent3">
-                  <a:lumMod val="50000"/>
-                </a:schemeClr>
+                <a:srgbClr val="00B050"/>
               </a:buClr>
-              <a:buFont typeface="Wingdings" pitchFamily="2" charset="2"/>
-              <a:buChar char="§"/>
+              <a:buSzPct val="120000"/>
+              <a:buFont typeface="Wingdings 2" pitchFamily="18" charset="2"/>
+              <a:buChar char=""/>
             </a:pPr>
             <a:r>
-              <a:rPr lang="en-US" dirty="0" smtClean="0">
-                <a:latin typeface="Times New Roman" pitchFamily="18" charset="0"/>
-                <a:cs typeface="Times New Roman" pitchFamily="18" charset="0"/>
-              </a:rPr>
-              <a:t>Semi Structured data: XML data. </a:t>
-            </a:r>
-          </a:p>
-          <a:p>
-            <a:pPr marL="1173163" lvl="2" indent="-271463" algn="just">
-              <a:buClr>
-                <a:schemeClr val="accent3">
-                  <a:lumMod val="50000"/>
-                </a:schemeClr>
-              </a:buClr>
-              <a:buFont typeface="Wingdings" pitchFamily="2" charset="2"/>
-              <a:buChar char="§"/>
-            </a:pPr>
-            <a:r>
-              <a:rPr lang="en-IN" dirty="0" smtClean="0">
-                <a:latin typeface="Times New Roman" pitchFamily="18" charset="0"/>
-                <a:cs typeface="Times New Roman" pitchFamily="18" charset="0"/>
-              </a:rPr>
-              <a:t>Unstructured data: Word, PDF, Text, Media Logs.</a:t>
+              <a:rPr lang="en-IN" sz="2400" dirty="0" smtClean="0">
+                <a:latin typeface="Times New Roman" pitchFamily="18" charset="0"/>
+                <a:cs typeface="Times New Roman" pitchFamily="18" charset="0"/>
+              </a:rPr>
+              <a:t>The data in it will be of three types. </a:t>
             </a:r>
           </a:p>
           <a:p>
@@ -7540,10 +7825,30 @@
               <a:buNone/>
             </a:pPr>
             <a:r>
-              <a:rPr lang="en-IN" sz="1100" b="1" dirty="0" smtClean="0"/>
-              <a:t> </a:t>
-            </a:r>
-            <a:endParaRPr lang="en-IN" sz="1100" dirty="0" smtClean="0">
+              <a:rPr lang="en-US" dirty="0" smtClean="0">
+                <a:latin typeface="Times New Roman" pitchFamily="18" charset="0"/>
+                <a:cs typeface="Times New Roman" pitchFamily="18" charset="0"/>
+              </a:rPr>
+              <a:t>( Structured  ,  Semi Structured  ,  </a:t>
+            </a:r>
+            <a:r>
+              <a:rPr lang="en-IN" dirty="0" smtClean="0">
+                <a:latin typeface="Times New Roman" pitchFamily="18" charset="0"/>
+                <a:cs typeface="Times New Roman" pitchFamily="18" charset="0"/>
+              </a:rPr>
+              <a:t>Unstructured )</a:t>
+            </a:r>
+          </a:p>
+          <a:p>
+            <a:pPr marL="1173163" lvl="2" indent="-271463" algn="just">
+              <a:buClr>
+                <a:schemeClr val="accent3">
+                  <a:lumMod val="50000"/>
+                </a:schemeClr>
+              </a:buClr>
+              <a:buNone/>
+            </a:pPr>
+            <a:endParaRPr lang="en-IN" sz="900" dirty="0" smtClean="0">
               <a:latin typeface="Times New Roman" pitchFamily="18" charset="0"/>
               <a:cs typeface="Times New Roman" pitchFamily="18" charset="0"/>
             </a:endParaRPr>
@@ -7576,7 +7881,125 @@
                 <a:latin typeface="Times New Roman" pitchFamily="18" charset="0"/>
                 <a:cs typeface="Times New Roman" pitchFamily="18" charset="0"/>
               </a:rPr>
-              <a:t>Hadoop is an Apache open source framework written in java that allows distributed processing of large datasets across clusters of computers using simple programming models. </a:t>
+              <a:t>Developed by </a:t>
+            </a:r>
+            <a:r>
+              <a:rPr lang="en-IN" sz="2400" b="1" dirty="0" smtClean="0">
+                <a:latin typeface="Times New Roman" pitchFamily="18" charset="0"/>
+                <a:cs typeface="Times New Roman" pitchFamily="18" charset="0"/>
+              </a:rPr>
+              <a:t>Doug Cutting</a:t>
+            </a:r>
+            <a:r>
+              <a:rPr lang="en-IN" sz="2400" dirty="0" smtClean="0">
+                <a:latin typeface="Times New Roman" pitchFamily="18" charset="0"/>
+                <a:cs typeface="Times New Roman" pitchFamily="18" charset="0"/>
+              </a:rPr>
+              <a:t> &amp; </a:t>
+            </a:r>
+            <a:r>
+              <a:rPr lang="en-IN" sz="2400" b="1" dirty="0" smtClean="0">
+                <a:latin typeface="Times New Roman" pitchFamily="18" charset="0"/>
+                <a:cs typeface="Times New Roman" pitchFamily="18" charset="0"/>
+              </a:rPr>
+              <a:t>Mike Cafarella</a:t>
+            </a:r>
+            <a:r>
+              <a:rPr lang="en-IN" sz="2400" dirty="0" smtClean="0">
+                <a:latin typeface="Times New Roman" pitchFamily="18" charset="0"/>
+                <a:cs typeface="Times New Roman" pitchFamily="18" charset="0"/>
+              </a:rPr>
+              <a:t>.</a:t>
+            </a:r>
+          </a:p>
+          <a:p>
+            <a:pPr marL="719138" lvl="1" indent="-450850" algn="just">
+              <a:buClr>
+                <a:srgbClr val="00B050"/>
+              </a:buClr>
+              <a:buSzPct val="120000"/>
+              <a:buFont typeface="Wingdings 2" pitchFamily="18" charset="2"/>
+              <a:buChar char=""/>
+            </a:pPr>
+            <a:r>
+              <a:rPr lang="en-IN" sz="2400" b="1" i="1" dirty="0" smtClean="0">
+                <a:latin typeface="Times New Roman" pitchFamily="18" charset="0"/>
+                <a:cs typeface="Times New Roman" pitchFamily="18" charset="0"/>
+              </a:rPr>
+              <a:t>Apache</a:t>
+            </a:r>
+            <a:r>
+              <a:rPr lang="en-IN" sz="2400" dirty="0" smtClean="0">
+                <a:latin typeface="Times New Roman" pitchFamily="18" charset="0"/>
+                <a:cs typeface="Times New Roman" pitchFamily="18" charset="0"/>
+              </a:rPr>
+              <a:t>  </a:t>
+            </a:r>
+            <a:r>
+              <a:rPr lang="en-IN" sz="2400" i="1" dirty="0" smtClean="0">
+                <a:latin typeface="Times New Roman" pitchFamily="18" charset="0"/>
+                <a:cs typeface="Times New Roman" pitchFamily="18" charset="0"/>
+              </a:rPr>
+              <a:t>open source framework</a:t>
+            </a:r>
+            <a:r>
+              <a:rPr lang="en-IN" sz="2400" dirty="0" smtClean="0">
+                <a:latin typeface="Times New Roman" pitchFamily="18" charset="0"/>
+                <a:cs typeface="Times New Roman" pitchFamily="18" charset="0"/>
+              </a:rPr>
+              <a:t> for Linux/UNIX  &amp; written in  </a:t>
+            </a:r>
+            <a:r>
+              <a:rPr lang="en-IN" sz="2400" b="1" i="1" dirty="0" smtClean="0">
+                <a:latin typeface="Times New Roman" pitchFamily="18" charset="0"/>
+                <a:cs typeface="Times New Roman" pitchFamily="18" charset="0"/>
+              </a:rPr>
+              <a:t>java</a:t>
+            </a:r>
+            <a:r>
+              <a:rPr lang="en-IN" sz="2400" dirty="0" smtClean="0">
+                <a:latin typeface="Times New Roman" pitchFamily="18" charset="0"/>
+                <a:cs typeface="Times New Roman" pitchFamily="18" charset="0"/>
+              </a:rPr>
+              <a:t>.</a:t>
+            </a:r>
+          </a:p>
+          <a:p>
+            <a:pPr marL="719138" lvl="1" indent="-450850" algn="just">
+              <a:buClr>
+                <a:srgbClr val="00B050"/>
+              </a:buClr>
+              <a:buSzPct val="120000"/>
+              <a:buFont typeface="Wingdings 2" pitchFamily="18" charset="2"/>
+              <a:buChar char=""/>
+            </a:pPr>
+            <a:r>
+              <a:rPr lang="en-IN" sz="2400" dirty="0" smtClean="0">
+                <a:latin typeface="Times New Roman" pitchFamily="18" charset="0"/>
+                <a:cs typeface="Times New Roman" pitchFamily="18" charset="0"/>
+              </a:rPr>
+              <a:t>Hadoop is named after Cutting's son's yellow toy.</a:t>
+            </a:r>
+            <a:endParaRPr lang="en-IN" sz="2400" b="1" i="1" dirty="0" smtClean="0">
+              <a:latin typeface="Times New Roman" pitchFamily="18" charset="0"/>
+              <a:cs typeface="Times New Roman" pitchFamily="18" charset="0"/>
+            </a:endParaRPr>
+          </a:p>
+          <a:p>
+            <a:pPr marL="719138" lvl="1" indent="-450850" algn="just">
+              <a:buClr>
+                <a:srgbClr val="00B050"/>
+              </a:buClr>
+              <a:buSzPct val="120000"/>
+              <a:buFont typeface="Wingdings 2" pitchFamily="18" charset="2"/>
+              <a:buChar char=""/>
+            </a:pPr>
+            <a:r>
+              <a:rPr lang="en-IN" sz="2400" dirty="0" smtClean="0">
+                <a:latin typeface="Times New Roman" pitchFamily="18" charset="0"/>
+                <a:cs typeface="Times New Roman" pitchFamily="18" charset="0"/>
+              </a:rPr>
+              <a:t>Designed for storage &amp; processing of large datasets across clusters of computers(Commodity hardware). </a:t>
             </a:r>
           </a:p>
         </p:txBody>
@@ -7649,6 +8072,262 @@
           </a:p>
         </p:txBody>
       </p:sp>
+      <p:grpSp>
+        <p:nvGrpSpPr>
+          <p:cNvPr id="24" name="Group 23"/>
+          <p:cNvGrpSpPr/>
+          <p:nvPr/>
+        </p:nvGrpSpPr>
+        <p:grpSpPr>
+          <a:xfrm>
+            <a:off x="8990806" y="1296194"/>
+            <a:ext cx="2894807" cy="2438400"/>
+            <a:chOff x="9295606" y="1448594"/>
+            <a:chExt cx="3274000" cy="2749800"/>
+          </a:xfrm>
+        </p:grpSpPr>
+        <p:pic>
+          <p:nvPicPr>
+            <p:cNvPr id="16389" name="Picture 5"/>
+            <p:cNvPicPr>
+              <a:picLocks noChangeAspect="1" noChangeArrowheads="1"/>
+            </p:cNvPicPr>
+            <p:nvPr/>
+          </p:nvPicPr>
+          <p:blipFill>
+            <a:blip r:embed="rId3"/>
+            <a:srcRect l="3665" t="4188" r="4188" b="3665"/>
+            <a:stretch>
+              <a:fillRect/>
+            </a:stretch>
+          </p:blipFill>
+          <p:spPr bwMode="auto">
+            <a:xfrm>
+              <a:off x="9829006" y="1981994"/>
+              <a:ext cx="1676400" cy="1676400"/>
+            </a:xfrm>
+            <a:prstGeom prst="rect">
+              <a:avLst/>
+            </a:prstGeom>
+            <a:noFill/>
+            <a:ln w="9525">
+              <a:noFill/>
+              <a:miter lim="800000"/>
+              <a:headEnd/>
+              <a:tailEnd/>
+            </a:ln>
+            <a:effectLst/>
+          </p:spPr>
+        </p:pic>
+        <p:pic>
+          <p:nvPicPr>
+            <p:cNvPr id="16390" name="Picture 6" descr="C:\Users\Hello\Desktop\Instagram_icon.png"/>
+            <p:cNvPicPr>
+              <a:picLocks noChangeAspect="1" noChangeArrowheads="1"/>
+            </p:cNvPicPr>
+            <p:nvPr/>
+          </p:nvPicPr>
+          <p:blipFill>
+            <a:blip r:embed="rId4" cstate="print"/>
+            <a:srcRect/>
+            <a:stretch>
+              <a:fillRect/>
+            </a:stretch>
+          </p:blipFill>
+          <p:spPr bwMode="auto">
+            <a:xfrm>
+              <a:off x="9600406" y="2210594"/>
+              <a:ext cx="611402" cy="612000"/>
+            </a:xfrm>
+            <a:prstGeom prst="rect">
+              <a:avLst/>
+            </a:prstGeom>
+            <a:noFill/>
+          </p:spPr>
+        </p:pic>
+        <p:pic>
+          <p:nvPicPr>
+            <p:cNvPr id="16391" name="Picture 7" descr="C:\Users\Hello\Desktop\unnamed.png"/>
+            <p:cNvPicPr>
+              <a:picLocks noChangeAspect="1" noChangeArrowheads="1"/>
+            </p:cNvPicPr>
+            <p:nvPr/>
+          </p:nvPicPr>
+          <p:blipFill>
+            <a:blip r:embed="rId5" cstate="print"/>
+            <a:srcRect/>
+            <a:stretch>
+              <a:fillRect/>
+            </a:stretch>
+          </p:blipFill>
+          <p:spPr bwMode="auto">
+            <a:xfrm>
+              <a:off x="11124406" y="2058194"/>
+              <a:ext cx="720000" cy="720000"/>
+            </a:xfrm>
+            <a:prstGeom prst="rect">
+              <a:avLst/>
+            </a:prstGeom>
+            <a:noFill/>
+          </p:spPr>
+        </p:pic>
+        <p:pic>
+          <p:nvPicPr>
+            <p:cNvPr id="16392" name="Picture 8" descr="C:\Users\Hello\Desktop\logo-facebook.png"/>
+            <p:cNvPicPr>
+              <a:picLocks noChangeAspect="1" noChangeArrowheads="1"/>
+            </p:cNvPicPr>
+            <p:nvPr/>
+          </p:nvPicPr>
+          <p:blipFill>
+            <a:blip r:embed="rId6" cstate="print"/>
+            <a:srcRect/>
+            <a:stretch>
+              <a:fillRect/>
+            </a:stretch>
+          </p:blipFill>
+          <p:spPr bwMode="auto">
+            <a:xfrm>
+              <a:off x="9905206" y="1448594"/>
+              <a:ext cx="792000" cy="792000"/>
+            </a:xfrm>
+            <a:prstGeom prst="rect">
+              <a:avLst/>
+            </a:prstGeom>
+            <a:noFill/>
+          </p:spPr>
+        </p:pic>
+        <p:pic>
+          <p:nvPicPr>
+            <p:cNvPr id="16394" name="Picture 10" descr="C:\Users\Hello\Desktop\Twitter_bird_logo_2012.svg.png"/>
+            <p:cNvPicPr>
+              <a:picLocks noChangeAspect="1" noChangeArrowheads="1"/>
+            </p:cNvPicPr>
+            <p:nvPr/>
+          </p:nvPicPr>
+          <p:blipFill>
+            <a:blip r:embed="rId7"/>
+            <a:srcRect/>
+            <a:stretch>
+              <a:fillRect/>
+            </a:stretch>
+          </p:blipFill>
+          <p:spPr bwMode="auto">
+            <a:xfrm>
+              <a:off x="10743406" y="1600994"/>
+              <a:ext cx="665280" cy="540000"/>
+            </a:xfrm>
+            <a:prstGeom prst="rect">
+              <a:avLst/>
+            </a:prstGeom>
+            <a:noFill/>
+          </p:spPr>
+        </p:pic>
+        <p:pic>
+          <p:nvPicPr>
+            <p:cNvPr id="16395" name="Picture 11" descr="C:\Users\Hello\Desktop\1014px-New_Logo_Gmail.svg.png"/>
+            <p:cNvPicPr>
+              <a:picLocks noChangeAspect="1" noChangeArrowheads="1"/>
+            </p:cNvPicPr>
+            <p:nvPr/>
+          </p:nvPicPr>
+          <p:blipFill>
+            <a:blip r:embed="rId8" cstate="print"/>
+            <a:srcRect/>
+            <a:stretch>
+              <a:fillRect/>
+            </a:stretch>
+          </p:blipFill>
+          <p:spPr bwMode="auto">
+            <a:xfrm>
+              <a:off x="9295606" y="2972594"/>
+              <a:ext cx="712969" cy="540000"/>
+            </a:xfrm>
+            <a:prstGeom prst="rect">
+              <a:avLst/>
+            </a:prstGeom>
+            <a:noFill/>
+          </p:spPr>
+        </p:pic>
+        <p:pic>
+          <p:nvPicPr>
+            <p:cNvPr id="16397" name="Picture 13" descr="C:\Users\Hello\Desktop\googlelogo_color_272x92dp.png"/>
+            <p:cNvPicPr>
+              <a:picLocks noChangeAspect="1" noChangeArrowheads="1"/>
+            </p:cNvPicPr>
+            <p:nvPr/>
+          </p:nvPicPr>
+          <p:blipFill>
+            <a:blip r:embed="rId9" cstate="print"/>
+            <a:srcRect/>
+            <a:stretch>
+              <a:fillRect/>
+            </a:stretch>
+          </p:blipFill>
+          <p:spPr bwMode="auto">
+            <a:xfrm>
+              <a:off x="9905206" y="3658394"/>
+              <a:ext cx="1596521" cy="540000"/>
+            </a:xfrm>
+            <a:prstGeom prst="rect">
+              <a:avLst/>
+            </a:prstGeom>
+            <a:noFill/>
+          </p:spPr>
+        </p:pic>
+        <p:pic>
+          <p:nvPicPr>
+            <p:cNvPr id="16401" name="Picture 17" descr="C:\Users\Hello\Desktop\youtube-logo-png-photo-0 (1).png"/>
+            <p:cNvPicPr>
+              <a:picLocks noChangeAspect="1" noChangeArrowheads="1"/>
+            </p:cNvPicPr>
+            <p:nvPr/>
+          </p:nvPicPr>
+          <p:blipFill>
+            <a:blip r:embed="rId10" cstate="print"/>
+            <a:srcRect/>
+            <a:stretch>
+              <a:fillRect/>
+            </a:stretch>
+          </p:blipFill>
+          <p:spPr bwMode="auto">
+            <a:xfrm>
+              <a:off x="10667206" y="2515394"/>
+              <a:ext cx="1902400" cy="1426800"/>
+            </a:xfrm>
+            <a:prstGeom prst="rect">
+              <a:avLst/>
+            </a:prstGeom>
+            <a:noFill/>
+          </p:spPr>
+        </p:pic>
+      </p:grpSp>
+      <p:pic>
+        <p:nvPicPr>
+          <p:cNvPr id="16404" name="Picture 20" descr="C:\Users\Hello\Desktop\2000px-Hadoop_logo.svg.png"/>
+          <p:cNvPicPr>
+            <a:picLocks noChangeAspect="1" noChangeArrowheads="1"/>
+          </p:cNvPicPr>
+          <p:nvPr/>
+        </p:nvPicPr>
+        <p:blipFill>
+          <a:blip r:embed="rId11" cstate="print"/>
+          <a:srcRect/>
+          <a:stretch>
+            <a:fillRect/>
+          </a:stretch>
+        </p:blipFill>
+        <p:spPr bwMode="auto">
+          <a:xfrm>
+            <a:off x="8533606" y="5182394"/>
+            <a:ext cx="2590800" cy="671018"/>
+          </a:xfrm>
+          <a:prstGeom prst="rect">
+            <a:avLst/>
+          </a:prstGeom>
+          <a:noFill/>
+        </p:spPr>
+      </p:pic>
     </p:spTree>
   </p:cSld>
   <p:clrMapOvr>
@@ -8237,7 +8916,7 @@
         <p:spPr>
           <a:xfrm>
             <a:off x="799662" y="1295700"/>
-            <a:ext cx="10591127" cy="5106582"/>
+            <a:ext cx="10858144" cy="5106582"/>
           </a:xfrm>
         </p:spPr>
         <p:txBody>
@@ -8252,34 +8931,72 @@
                 <a:latin typeface="Times New Roman" pitchFamily="18" charset="0"/>
                 <a:cs typeface="Times New Roman" pitchFamily="18" charset="0"/>
               </a:rPr>
-              <a:t>HDFS</a:t>
+              <a:t>H</a:t>
             </a:r>
             <a:r>
               <a:rPr lang="en-US" sz="2800" dirty="0" smtClean="0">
                 <a:latin typeface="Times New Roman" pitchFamily="18" charset="0"/>
                 <a:cs typeface="Times New Roman" pitchFamily="18" charset="0"/>
               </a:rPr>
-              <a:t> stands for </a:t>
+              <a:t>adoop </a:t>
             </a:r>
             <a:r>
               <a:rPr lang="en-US" sz="2800" b="1" dirty="0" smtClean="0">
                 <a:latin typeface="Times New Roman" pitchFamily="18" charset="0"/>
                 <a:cs typeface="Times New Roman" pitchFamily="18" charset="0"/>
               </a:rPr>
-              <a:t>H</a:t>
+              <a:t>D</a:t>
             </a:r>
             <a:r>
               <a:rPr lang="en-US" sz="2800" dirty="0" smtClean="0">
                 <a:latin typeface="Times New Roman" pitchFamily="18" charset="0"/>
                 <a:cs typeface="Times New Roman" pitchFamily="18" charset="0"/>
               </a:rPr>
-              <a:t>adoop </a:t>
+              <a:t>istributed </a:t>
             </a:r>
             <a:r>
               <a:rPr lang="en-US" sz="2800" b="1" dirty="0" smtClean="0">
                 <a:latin typeface="Times New Roman" pitchFamily="18" charset="0"/>
                 <a:cs typeface="Times New Roman" pitchFamily="18" charset="0"/>
               </a:rPr>
+              <a:t>F</a:t>
+            </a:r>
+            <a:r>
+              <a:rPr lang="en-US" sz="2800" dirty="0" smtClean="0">
+                <a:latin typeface="Times New Roman" pitchFamily="18" charset="0"/>
+                <a:cs typeface="Times New Roman" pitchFamily="18" charset="0"/>
+              </a:rPr>
+              <a:t>ile </a:t>
+            </a:r>
+            <a:r>
+              <a:rPr lang="en-US" sz="2800" b="1" dirty="0" smtClean="0">
+                <a:latin typeface="Times New Roman" pitchFamily="18" charset="0"/>
+                <a:cs typeface="Times New Roman" pitchFamily="18" charset="0"/>
+              </a:rPr>
+              <a:t>S</a:t>
+            </a:r>
+            <a:r>
+              <a:rPr lang="en-US" sz="2800" dirty="0" smtClean="0">
+                <a:latin typeface="Times New Roman" pitchFamily="18" charset="0"/>
+                <a:cs typeface="Times New Roman" pitchFamily="18" charset="0"/>
+              </a:rPr>
+              <a:t>ystem.</a:t>
+            </a:r>
+          </a:p>
+          <a:p>
+            <a:pPr marL="363515" indent="-363515" algn="just"/>
+            <a:r>
+              <a:rPr lang="en-US" sz="2800" dirty="0" smtClean="0">
+                <a:latin typeface="Times New Roman" pitchFamily="18" charset="0"/>
+                <a:cs typeface="Times New Roman" pitchFamily="18" charset="0"/>
+              </a:rPr>
+              <a:t>Developed using </a:t>
+            </a:r>
+            <a:r>
+              <a:rPr lang="en-US" sz="2800" b="1" dirty="0" smtClean="0">
+                <a:latin typeface="Times New Roman" pitchFamily="18" charset="0"/>
+                <a:cs typeface="Times New Roman" pitchFamily="18" charset="0"/>
+              </a:rPr>
               <a:t>D</a:t>
             </a:r>
             <a:r>
@@ -8315,7 +9032,7 @@
                 <a:latin typeface="Times New Roman" pitchFamily="18" charset="0"/>
                 <a:cs typeface="Times New Roman" pitchFamily="18" charset="0"/>
               </a:rPr>
-              <a:t>ystem.</a:t>
+              <a:t>ystem design based on 	         (GFS).</a:t>
             </a:r>
           </a:p>
           <a:p>
@@ -8325,7 +9042,21 @@
                 <a:latin typeface="Times New Roman" pitchFamily="18" charset="0"/>
                 <a:cs typeface="Times New Roman" pitchFamily="18" charset="0"/>
               </a:rPr>
-              <a:t>Hadoop File system was developed using distributed file system design.</a:t>
+              <a:t>Runs on </a:t>
+            </a:r>
+            <a:r>
+              <a:rPr lang="en-US" sz="2800" b="1" dirty="0" smtClean="0">
+                <a:latin typeface="Times New Roman" pitchFamily="18" charset="0"/>
+                <a:cs typeface="Times New Roman" pitchFamily="18" charset="0"/>
+              </a:rPr>
+              <a:t>commodity hardware</a:t>
+            </a:r>
+            <a:r>
+              <a:rPr lang="en-US" sz="2800" dirty="0" smtClean="0">
+                <a:latin typeface="Times New Roman" pitchFamily="18" charset="0"/>
+                <a:cs typeface="Times New Roman" pitchFamily="18" charset="0"/>
+              </a:rPr>
+              <a:t>. </a:t>
             </a:r>
           </a:p>
           <a:p>
@@ -8335,7 +9066,35 @@
                 <a:latin typeface="Times New Roman" pitchFamily="18" charset="0"/>
                 <a:cs typeface="Times New Roman" pitchFamily="18" charset="0"/>
               </a:rPr>
-              <a:t>It is run on commodity hardware. HDFS is highly fault-tolerant and designed using low-cost hardware.</a:t>
+              <a:t>HDFS is highly </a:t>
+            </a:r>
+            <a:r>
+              <a:rPr lang="en-US" sz="2800" b="1" dirty="0" smtClean="0">
+                <a:latin typeface="Times New Roman" pitchFamily="18" charset="0"/>
+                <a:cs typeface="Times New Roman" pitchFamily="18" charset="0"/>
+              </a:rPr>
+              <a:t>fault-tolerant</a:t>
+            </a:r>
+            <a:r>
+              <a:rPr lang="en-US" sz="2800" dirty="0" smtClean="0">
+                <a:latin typeface="Times New Roman" pitchFamily="18" charset="0"/>
+                <a:cs typeface="Times New Roman" pitchFamily="18" charset="0"/>
+              </a:rPr>
+              <a:t> and designed using </a:t>
+            </a:r>
+            <a:r>
+              <a:rPr lang="en-US" sz="2800" b="1" dirty="0" smtClean="0">
+                <a:latin typeface="Times New Roman" pitchFamily="18" charset="0"/>
+                <a:cs typeface="Times New Roman" pitchFamily="18" charset="0"/>
+              </a:rPr>
+              <a:t>low-cost</a:t>
+            </a:r>
+            <a:r>
+              <a:rPr lang="en-US" sz="2800" dirty="0" smtClean="0">
+                <a:latin typeface="Times New Roman" pitchFamily="18" charset="0"/>
+                <a:cs typeface="Times New Roman" pitchFamily="18" charset="0"/>
+              </a:rPr>
+              <a:t> hardware.</a:t>
             </a:r>
           </a:p>
           <a:p>
@@ -8345,7 +9104,7 @@
                 <a:latin typeface="Times New Roman" pitchFamily="18" charset="0"/>
                 <a:cs typeface="Times New Roman" pitchFamily="18" charset="0"/>
               </a:rPr>
-              <a:t>HDFS holds very large amount of data and provides easier access.</a:t>
+              <a:t>Holds very large amount of data and provides easier access.</a:t>
             </a:r>
           </a:p>
           <a:p>
@@ -8355,7 +9114,7 @@
                 <a:latin typeface="Times New Roman" pitchFamily="18" charset="0"/>
                 <a:cs typeface="Times New Roman" pitchFamily="18" charset="0"/>
               </a:rPr>
-              <a:t>To store such huge data , the files are stored across multiple machines.</a:t>
+              <a:t>The files are stored across multiple machines.</a:t>
             </a:r>
           </a:p>
           <a:p>
@@ -8365,7 +9124,35 @@
                 <a:latin typeface="Times New Roman" pitchFamily="18" charset="0"/>
                 <a:cs typeface="Times New Roman" pitchFamily="18" charset="0"/>
               </a:rPr>
-              <a:t>These files are stored in redundant fashion to rescue the system from possible data losses in case of failure.</a:t>
+              <a:t>Rescue the system from possible </a:t>
+            </a:r>
+            <a:r>
+              <a:rPr lang="en-US" sz="2800" b="1" dirty="0" smtClean="0">
+                <a:latin typeface="Times New Roman" pitchFamily="18" charset="0"/>
+                <a:cs typeface="Times New Roman" pitchFamily="18" charset="0"/>
+              </a:rPr>
+              <a:t>data losses</a:t>
+            </a:r>
+            <a:r>
+              <a:rPr lang="en-US" sz="2800" dirty="0" smtClean="0">
+                <a:latin typeface="Times New Roman" pitchFamily="18" charset="0"/>
+                <a:cs typeface="Times New Roman" pitchFamily="18" charset="0"/>
+              </a:rPr>
+              <a:t> in case of failure by making </a:t>
+            </a:r>
+            <a:r>
+              <a:rPr lang="en-US" sz="2800" b="1" dirty="0" smtClean="0">
+                <a:latin typeface="Times New Roman" pitchFamily="18" charset="0"/>
+                <a:cs typeface="Times New Roman" pitchFamily="18" charset="0"/>
+              </a:rPr>
+              <a:t>Replicas</a:t>
+            </a:r>
+            <a:r>
+              <a:rPr lang="en-US" sz="2800" dirty="0" smtClean="0">
+                <a:latin typeface="Times New Roman" pitchFamily="18" charset="0"/>
+                <a:cs typeface="Times New Roman" pitchFamily="18" charset="0"/>
+              </a:rPr>
+              <a:t>.</a:t>
             </a:r>
           </a:p>
           <a:p>
@@ -8375,11 +9162,51 @@
                 <a:latin typeface="Times New Roman" pitchFamily="18" charset="0"/>
                 <a:cs typeface="Times New Roman" pitchFamily="18" charset="0"/>
               </a:rPr>
-              <a:t>HDFS also makes applications available to parallel processing.</a:t>
-            </a:r>
-          </a:p>
-        </p:txBody>
-      </p:sp>
+              <a:t>HDFS also makes applications available to </a:t>
+            </a:r>
+            <a:r>
+              <a:rPr lang="en-US" sz="2800" b="1" dirty="0" smtClean="0">
+                <a:latin typeface="Times New Roman" pitchFamily="18" charset="0"/>
+                <a:cs typeface="Times New Roman" pitchFamily="18" charset="0"/>
+              </a:rPr>
+              <a:t>parallel processing</a:t>
+            </a:r>
+            <a:r>
+              <a:rPr lang="en-US" sz="2800" dirty="0" smtClean="0">
+                <a:latin typeface="Times New Roman" pitchFamily="18" charset="0"/>
+                <a:cs typeface="Times New Roman" pitchFamily="18" charset="0"/>
+              </a:rPr>
+              <a:t>.</a:t>
+            </a:r>
+          </a:p>
+        </p:txBody>
+      </p:sp>
+      <p:pic>
+        <p:nvPicPr>
+          <p:cNvPr id="7" name="Picture 13" descr="C:\Users\Hello\Desktop\googlelogo_color_272x92dp.png"/>
+          <p:cNvPicPr>
+            <a:picLocks noChangeAspect="1" noChangeArrowheads="1"/>
+          </p:cNvPicPr>
+          <p:nvPr/>
+        </p:nvPicPr>
+        <p:blipFill>
+          <a:blip r:embed="rId2" cstate="print"/>
+          <a:srcRect/>
+          <a:stretch>
+            <a:fillRect/>
+          </a:stretch>
+        </p:blipFill>
+        <p:spPr bwMode="auto">
+          <a:xfrm>
+            <a:off x="9639543" y="1913138"/>
+            <a:ext cx="1379635" cy="468000"/>
+          </a:xfrm>
+          <a:prstGeom prst="rect">
+            <a:avLst/>
+          </a:prstGeom>
+          <a:noFill/>
+        </p:spPr>
+      </p:pic>
     </p:spTree>
   </p:cSld>
   <p:clrMapOvr>
@@ -8561,7 +9388,35 @@
                 <a:latin typeface="Times New Roman" pitchFamily="18" charset="0"/>
                 <a:cs typeface="Times New Roman" pitchFamily="18" charset="0"/>
               </a:rPr>
-              <a:t>It is suitable for the distributed storage and processing.</a:t>
+              <a:t>Suitable for the </a:t>
+            </a:r>
+            <a:r>
+              <a:rPr lang="en-IN" sz="2800" b="1" dirty="0" smtClean="0">
+                <a:latin typeface="Times New Roman" pitchFamily="18" charset="0"/>
+                <a:cs typeface="Times New Roman" pitchFamily="18" charset="0"/>
+              </a:rPr>
+              <a:t>distributed storage</a:t>
+            </a:r>
+            <a:r>
+              <a:rPr lang="en-IN" sz="2800" dirty="0" smtClean="0">
+                <a:latin typeface="Times New Roman" pitchFamily="18" charset="0"/>
+                <a:cs typeface="Times New Roman" pitchFamily="18" charset="0"/>
+              </a:rPr>
+              <a:t> &amp; </a:t>
+            </a:r>
+            <a:r>
+              <a:rPr lang="en-IN" sz="2800" b="1" dirty="0" smtClean="0">
+                <a:latin typeface="Times New Roman" pitchFamily="18" charset="0"/>
+                <a:cs typeface="Times New Roman" pitchFamily="18" charset="0"/>
+              </a:rPr>
+              <a:t>processing</a:t>
+            </a:r>
+            <a:r>
+              <a:rPr lang="en-IN" sz="2800" dirty="0" smtClean="0">
+                <a:latin typeface="Times New Roman" pitchFamily="18" charset="0"/>
+                <a:cs typeface="Times New Roman" pitchFamily="18" charset="0"/>
+              </a:rPr>
+              <a:t>.</a:t>
             </a:r>
           </a:p>
           <a:p>
@@ -8584,13 +9439,10 @@
               <a:tabLst/>
               <a:defRPr/>
             </a:pPr>
-            <a:r>
-              <a:rPr lang="en-IN" sz="2800" dirty="0" smtClean="0">
-                <a:latin typeface="Times New Roman" pitchFamily="18" charset="0"/>
-                <a:cs typeface="Times New Roman" pitchFamily="18" charset="0"/>
-              </a:rPr>
-              <a:t>Hadoop provides a command interface to interact with HDFS.</a:t>
-            </a:r>
+            <a:endParaRPr lang="en-IN" sz="1000" dirty="0" smtClean="0">
+              <a:latin typeface="Times New Roman" pitchFamily="18" charset="0"/>
+              <a:cs typeface="Times New Roman" pitchFamily="18" charset="0"/>
+            </a:endParaRPr>
           </a:p>
           <a:p>
             <a:pPr marL="363515" marR="0" lvl="0" indent="-363515" algn="just" defTabSz="914400" rtl="0" eaLnBrk="1" fontAlgn="auto" latinLnBrk="0" hangingPunct="1">
@@ -8617,8 +9469,40 @@
                 <a:latin typeface="Times New Roman" pitchFamily="18" charset="0"/>
                 <a:cs typeface="Times New Roman" pitchFamily="18" charset="0"/>
               </a:rPr>
-              <a:t>The built-in servers of namenode and datanode help users to easily check the status of cluster.</a:t>
-            </a:r>
+              <a:t>Hadoop provides a </a:t>
+            </a:r>
+            <a:r>
+              <a:rPr lang="en-IN" sz="2800" b="1" dirty="0" smtClean="0">
+                <a:latin typeface="Times New Roman" pitchFamily="18" charset="0"/>
+                <a:cs typeface="Times New Roman" pitchFamily="18" charset="0"/>
+              </a:rPr>
+              <a:t>command interface</a:t>
+            </a:r>
+            <a:r>
+              <a:rPr lang="en-IN" sz="2800" dirty="0" smtClean="0">
+                <a:latin typeface="Times New Roman" pitchFamily="18" charset="0"/>
+                <a:cs typeface="Times New Roman" pitchFamily="18" charset="0"/>
+              </a:rPr>
+              <a:t> to interact with HDFS.</a:t>
+            </a:r>
+          </a:p>
+          <a:p>
+            <a:pPr marL="363515" lvl="0" indent="-363515" algn="just" defTabSz="914400">
+              <a:spcBef>
+                <a:spcPts val="690"/>
+              </a:spcBef>
+              <a:buClr>
+                <a:schemeClr val="accent1"/>
+              </a:buClr>
+              <a:buSzPct val="85000"/>
+              <a:buFont typeface="Wingdings 2"/>
+              <a:buChar char=""/>
+              <a:defRPr/>
+            </a:pPr>
+            <a:endParaRPr lang="en-IN" sz="1000" dirty="0" smtClean="0">
+              <a:latin typeface="Times New Roman" pitchFamily="18" charset="0"/>
+              <a:cs typeface="Times New Roman" pitchFamily="18" charset="0"/>
+            </a:endParaRPr>
           </a:p>
           <a:p>
             <a:pPr marL="363515" marR="0" lvl="0" indent="-363515" algn="just" defTabSz="914400" rtl="0" eaLnBrk="1" fontAlgn="auto" latinLnBrk="0" hangingPunct="1">
@@ -8645,7 +9529,35 @@
                 <a:latin typeface="Times New Roman" pitchFamily="18" charset="0"/>
                 <a:cs typeface="Times New Roman" pitchFamily="18" charset="0"/>
               </a:rPr>
-              <a:t>Streaming access to file system data.</a:t>
+              <a:t>The built-in servers of </a:t>
+            </a:r>
+            <a:r>
+              <a:rPr lang="en-IN" sz="2800" b="1" dirty="0" smtClean="0">
+                <a:latin typeface="Times New Roman" pitchFamily="18" charset="0"/>
+                <a:cs typeface="Times New Roman" pitchFamily="18" charset="0"/>
+              </a:rPr>
+              <a:t>namenode</a:t>
+            </a:r>
+            <a:r>
+              <a:rPr lang="en-IN" sz="2800" dirty="0" smtClean="0">
+                <a:latin typeface="Times New Roman" pitchFamily="18" charset="0"/>
+                <a:cs typeface="Times New Roman" pitchFamily="18" charset="0"/>
+              </a:rPr>
+              <a:t> &amp; </a:t>
+            </a:r>
+            <a:r>
+              <a:rPr lang="en-IN" sz="2800" b="1" dirty="0" smtClean="0">
+                <a:latin typeface="Times New Roman" pitchFamily="18" charset="0"/>
+                <a:cs typeface="Times New Roman" pitchFamily="18" charset="0"/>
+              </a:rPr>
+              <a:t>datanode</a:t>
+            </a:r>
+            <a:r>
+              <a:rPr lang="en-IN" sz="2800" dirty="0" smtClean="0">
+                <a:latin typeface="Times New Roman" pitchFamily="18" charset="0"/>
+                <a:cs typeface="Times New Roman" pitchFamily="18" charset="0"/>
+              </a:rPr>
+              <a:t>.</a:t>
             </a:r>
           </a:p>
           <a:p>
@@ -8668,20 +9580,10 @@
               <a:tabLst/>
               <a:defRPr/>
             </a:pPr>
-            <a:r>
-              <a:rPr lang="en-IN" sz="2800" dirty="0" smtClean="0">
-                <a:latin typeface="Times New Roman" pitchFamily="18" charset="0"/>
-                <a:cs typeface="Times New Roman" pitchFamily="18" charset="0"/>
-              </a:rPr>
-              <a:t>HDFS provides file permissions and authentication</a:t>
-            </a:r>
-            <a:r>
-              <a:rPr lang="en-IN" sz="2800" dirty="0" smtClean="0">
-                <a:latin typeface="Times New Roman" pitchFamily="18" charset="0"/>
-                <a:cs typeface="Times New Roman" pitchFamily="18" charset="0"/>
-              </a:rPr>
-              <a:t>.</a:t>
-            </a:r>
+            <a:endParaRPr lang="en-IN" sz="1000" dirty="0" smtClean="0">
+              <a:latin typeface="Times New Roman" pitchFamily="18" charset="0"/>
+              <a:cs typeface="Times New Roman" pitchFamily="18" charset="0"/>
+            </a:endParaRPr>
           </a:p>
           <a:p>
             <a:pPr marL="363515" marR="0" lvl="0" indent="-363515" algn="just" defTabSz="914400" rtl="0" eaLnBrk="1" fontAlgn="auto" latinLnBrk="0" hangingPunct="1">
@@ -8704,30 +9606,223 @@
               <a:defRPr/>
             </a:pPr>
             <a:r>
+              <a:rPr lang="en-IN" sz="2800" b="1" dirty="0" smtClean="0">
+                <a:latin typeface="Times New Roman" pitchFamily="18" charset="0"/>
+                <a:cs typeface="Times New Roman" pitchFamily="18" charset="0"/>
+              </a:rPr>
+              <a:t>Fast access</a:t>
+            </a:r>
+            <a:r>
               <a:rPr lang="en-IN" sz="2800" dirty="0" smtClean="0">
                 <a:latin typeface="Times New Roman" pitchFamily="18" charset="0"/>
                 <a:cs typeface="Times New Roman" pitchFamily="18" charset="0"/>
               </a:rPr>
-              <a:t>Hadoop HDFS is Master-Slave architecture , so the processing speed is very </a:t>
-            </a:r>
-            <a:r>
-              <a:rPr lang="en-IN" sz="2800" smtClean="0">
-                <a:latin typeface="Times New Roman" pitchFamily="18" charset="0"/>
-                <a:cs typeface="Times New Roman" pitchFamily="18" charset="0"/>
-              </a:rPr>
-              <a:t>high &amp; system </a:t>
-            </a:r>
-            <a:r>
-              <a:rPr lang="en-IN" sz="2800" dirty="0" smtClean="0">
-                <a:latin typeface="Times New Roman" pitchFamily="18" charset="0"/>
-                <a:cs typeface="Times New Roman" pitchFamily="18" charset="0"/>
-              </a:rPr>
-              <a:t>failure rate is very low.</a:t>
-            </a:r>
-            <a:endParaRPr lang="en-IN" sz="2800" dirty="0" smtClean="0">
+              <a:t> to file system data.</a:t>
+            </a:r>
+          </a:p>
+          <a:p>
+            <a:pPr marL="363515" marR="0" lvl="0" indent="-363515" algn="just" defTabSz="914400" rtl="0" eaLnBrk="1" fontAlgn="auto" latinLnBrk="0" hangingPunct="1">
+              <a:lnSpc>
+                <a:spcPct val="100000"/>
+              </a:lnSpc>
+              <a:spcBef>
+                <a:spcPts val="690"/>
+              </a:spcBef>
+              <a:spcAft>
+                <a:spcPts val="0"/>
+              </a:spcAft>
+              <a:buClr>
+                <a:schemeClr val="accent1"/>
+              </a:buClr>
+              <a:buSzPct val="85000"/>
+              <a:buFont typeface="Wingdings 2"/>
+              <a:buChar char=""/>
+              <a:tabLst/>
+              <a:defRPr/>
+            </a:pPr>
+            <a:endParaRPr lang="en-IN" sz="1000" dirty="0" smtClean="0">
               <a:latin typeface="Times New Roman" pitchFamily="18" charset="0"/>
               <a:cs typeface="Times New Roman" pitchFamily="18" charset="0"/>
             </a:endParaRPr>
+          </a:p>
+          <a:p>
+            <a:pPr marL="363515" marR="0" lvl="0" indent="-363515" algn="just" defTabSz="914400" rtl="0" eaLnBrk="1" fontAlgn="auto" latinLnBrk="0" hangingPunct="1">
+              <a:lnSpc>
+                <a:spcPct val="100000"/>
+              </a:lnSpc>
+              <a:spcBef>
+                <a:spcPts val="690"/>
+              </a:spcBef>
+              <a:spcAft>
+                <a:spcPts val="0"/>
+              </a:spcAft>
+              <a:buClr>
+                <a:schemeClr val="accent1"/>
+              </a:buClr>
+              <a:buSzPct val="85000"/>
+              <a:buFont typeface="Wingdings 2"/>
+              <a:buChar char=""/>
+              <a:tabLst/>
+              <a:defRPr/>
+            </a:pPr>
+            <a:r>
+              <a:rPr lang="en-IN" sz="2800" dirty="0" smtClean="0">
+                <a:latin typeface="Times New Roman" pitchFamily="18" charset="0"/>
+                <a:cs typeface="Times New Roman" pitchFamily="18" charset="0"/>
+              </a:rPr>
+              <a:t>HDFS provides </a:t>
+            </a:r>
+            <a:r>
+              <a:rPr lang="en-IN" sz="2800" b="1" dirty="0" smtClean="0">
+                <a:latin typeface="Times New Roman" pitchFamily="18" charset="0"/>
+                <a:cs typeface="Times New Roman" pitchFamily="18" charset="0"/>
+              </a:rPr>
+              <a:t>file permissions</a:t>
+            </a:r>
+            <a:r>
+              <a:rPr lang="en-IN" sz="2800" dirty="0" smtClean="0">
+                <a:latin typeface="Times New Roman" pitchFamily="18" charset="0"/>
+                <a:cs typeface="Times New Roman" pitchFamily="18" charset="0"/>
+              </a:rPr>
+              <a:t> and </a:t>
+            </a:r>
+            <a:r>
+              <a:rPr lang="en-IN" sz="2800" b="1" dirty="0" smtClean="0">
+                <a:latin typeface="Times New Roman" pitchFamily="18" charset="0"/>
+                <a:cs typeface="Times New Roman" pitchFamily="18" charset="0"/>
+              </a:rPr>
+              <a:t>authentication</a:t>
+            </a:r>
+            <a:r>
+              <a:rPr lang="en-IN" sz="2800" dirty="0" smtClean="0">
+                <a:latin typeface="Times New Roman" pitchFamily="18" charset="0"/>
+                <a:cs typeface="Times New Roman" pitchFamily="18" charset="0"/>
+              </a:rPr>
+              <a:t>.</a:t>
+            </a:r>
+          </a:p>
+          <a:p>
+            <a:pPr marL="363515" marR="0" lvl="0" indent="-363515" algn="just" defTabSz="914400" rtl="0" eaLnBrk="1" fontAlgn="auto" latinLnBrk="0" hangingPunct="1">
+              <a:lnSpc>
+                <a:spcPct val="100000"/>
+              </a:lnSpc>
+              <a:spcBef>
+                <a:spcPts val="690"/>
+              </a:spcBef>
+              <a:spcAft>
+                <a:spcPts val="0"/>
+              </a:spcAft>
+              <a:buClr>
+                <a:schemeClr val="accent1"/>
+              </a:buClr>
+              <a:buSzPct val="85000"/>
+              <a:buFont typeface="Wingdings 2"/>
+              <a:buChar char=""/>
+              <a:tabLst/>
+              <a:defRPr/>
+            </a:pPr>
+            <a:endParaRPr lang="en-IN" sz="1000" dirty="0" smtClean="0">
+              <a:latin typeface="Times New Roman" pitchFamily="18" charset="0"/>
+              <a:cs typeface="Times New Roman" pitchFamily="18" charset="0"/>
+            </a:endParaRPr>
+          </a:p>
+          <a:p>
+            <a:pPr marL="363515" marR="0" lvl="0" indent="-363515" algn="just" defTabSz="914400" rtl="0" eaLnBrk="1" fontAlgn="auto" latinLnBrk="0" hangingPunct="1">
+              <a:lnSpc>
+                <a:spcPct val="100000"/>
+              </a:lnSpc>
+              <a:spcBef>
+                <a:spcPts val="690"/>
+              </a:spcBef>
+              <a:spcAft>
+                <a:spcPts val="0"/>
+              </a:spcAft>
+              <a:buClr>
+                <a:schemeClr val="accent1"/>
+              </a:buClr>
+              <a:buSzPct val="85000"/>
+              <a:buFont typeface="Wingdings 2"/>
+              <a:buChar char=""/>
+              <a:tabLst/>
+              <a:defRPr/>
+            </a:pPr>
+            <a:r>
+              <a:rPr lang="en-IN" sz="2800" dirty="0" smtClean="0">
+                <a:latin typeface="Times New Roman" pitchFamily="18" charset="0"/>
+                <a:cs typeface="Times New Roman" pitchFamily="18" charset="0"/>
+              </a:rPr>
+              <a:t>HDFS is </a:t>
+            </a:r>
+            <a:r>
+              <a:rPr lang="en-IN" sz="2800" b="1" dirty="0" smtClean="0">
+                <a:latin typeface="Times New Roman" pitchFamily="18" charset="0"/>
+                <a:cs typeface="Times New Roman" pitchFamily="18" charset="0"/>
+              </a:rPr>
+              <a:t>Master-Slave architecture</a:t>
+            </a:r>
+            <a:r>
+              <a:rPr lang="en-IN" sz="2800" dirty="0" smtClean="0">
+                <a:latin typeface="Times New Roman" pitchFamily="18" charset="0"/>
+                <a:cs typeface="Times New Roman" pitchFamily="18" charset="0"/>
+              </a:rPr>
+              <a:t> , so </a:t>
+            </a:r>
+            <a:r>
+              <a:rPr lang="en-IN" sz="2800" b="1" dirty="0" smtClean="0">
+                <a:latin typeface="Times New Roman" pitchFamily="18" charset="0"/>
+                <a:cs typeface="Times New Roman" pitchFamily="18" charset="0"/>
+              </a:rPr>
+              <a:t>processing speed</a:t>
+            </a:r>
+            <a:r>
+              <a:rPr lang="en-IN" sz="2800" dirty="0" smtClean="0">
+                <a:latin typeface="Times New Roman" pitchFamily="18" charset="0"/>
+                <a:cs typeface="Times New Roman" pitchFamily="18" charset="0"/>
+              </a:rPr>
+              <a:t> is very </a:t>
+            </a:r>
+            <a:r>
+              <a:rPr lang="en-IN" sz="2800" b="1" i="1" dirty="0" smtClean="0">
+                <a:latin typeface="Times New Roman" pitchFamily="18" charset="0"/>
+                <a:cs typeface="Times New Roman" pitchFamily="18" charset="0"/>
+              </a:rPr>
+              <a:t>high</a:t>
+            </a:r>
+            <a:r>
+              <a:rPr lang="en-IN" sz="2800" dirty="0" smtClean="0">
+                <a:latin typeface="Times New Roman" pitchFamily="18" charset="0"/>
+                <a:cs typeface="Times New Roman" pitchFamily="18" charset="0"/>
+              </a:rPr>
+              <a:t> &amp; </a:t>
+            </a:r>
+            <a:r>
+              <a:rPr lang="en-IN" sz="2800" b="1" dirty="0" smtClean="0">
+                <a:latin typeface="Times New Roman" pitchFamily="18" charset="0"/>
+                <a:cs typeface="Times New Roman" pitchFamily="18" charset="0"/>
+              </a:rPr>
+              <a:t>system failure</a:t>
+            </a:r>
+            <a:r>
+              <a:rPr lang="en-IN" sz="2800" dirty="0" smtClean="0">
+                <a:latin typeface="Times New Roman" pitchFamily="18" charset="0"/>
+                <a:cs typeface="Times New Roman" pitchFamily="18" charset="0"/>
+              </a:rPr>
+              <a:t> rate is very </a:t>
+            </a:r>
+            <a:r>
+              <a:rPr lang="en-IN" sz="2800" b="1" i="1" dirty="0" smtClean="0">
+                <a:latin typeface="Times New Roman" pitchFamily="18" charset="0"/>
+                <a:cs typeface="Times New Roman" pitchFamily="18" charset="0"/>
+              </a:rPr>
+              <a:t>low</a:t>
+            </a:r>
+            <a:r>
+              <a:rPr lang="en-IN" sz="2800" dirty="0" smtClean="0">
+                <a:latin typeface="Times New Roman" pitchFamily="18" charset="0"/>
+                <a:cs typeface="Times New Roman" pitchFamily="18" charset="0"/>
+              </a:rPr>
+              <a:t>.</a:t>
+            </a:r>
           </a:p>
         </p:txBody>
       </p:sp>
@@ -8787,23 +9882,11 @@
           <a:p>
             <a:r>
               <a:rPr lang="en-US" b="1" dirty="0" smtClean="0"/>
-              <a:t>HDFS </a:t>
-            </a:r>
-            <a:r>
-              <a:rPr lang="en-US" b="1" dirty="0" smtClean="0"/>
-              <a:t>Architecture  </a:t>
+              <a:t>HDFS Architecture  </a:t>
             </a:r>
             <a:r>
               <a:rPr lang="en-US" sz="3600" dirty="0" smtClean="0"/>
-              <a:t>(</a:t>
-            </a:r>
-            <a:r>
-              <a:rPr lang="en-US" sz="3600" dirty="0" smtClean="0"/>
-              <a:t>master-slave architecture</a:t>
-            </a:r>
-            <a:r>
-              <a:rPr lang="en-US" sz="3600" dirty="0" smtClean="0"/>
-              <a:t>)</a:t>
+              <a:t>(master-slave architecture)</a:t>
             </a:r>
             <a:endParaRPr lang="en-US" sz="4000" dirty="0"/>
           </a:p>
@@ -9133,7 +10216,7 @@
               <a:defRPr/>
             </a:pPr>
             <a:r>
-              <a:rPr lang="en-IN" sz="2800" b="1" dirty="0" smtClean="0">
+              <a:rPr lang="en-IN" sz="3200" b="1" dirty="0" smtClean="0">
                 <a:latin typeface="Times New Roman" pitchFamily="18" charset="0"/>
                 <a:cs typeface="Times New Roman" pitchFamily="18" charset="0"/>
               </a:rPr>
@@ -9165,7 +10248,7 @@
                 <a:latin typeface="Times New Roman" pitchFamily="18" charset="0"/>
                 <a:cs typeface="Times New Roman" pitchFamily="18" charset="0"/>
               </a:rPr>
-              <a:t>The namenode is the commodity hardware that contains the GNU/Linux operating system and the namenode software.</a:t>
+              <a:t>Commodity hardware that contains the GNU/Linux operating system and the namenode software.</a:t>
             </a:r>
           </a:p>
           <a:p>
@@ -9193,7 +10276,7 @@
                 <a:latin typeface="Times New Roman" pitchFamily="18" charset="0"/>
                 <a:cs typeface="Times New Roman" pitchFamily="18" charset="0"/>
               </a:rPr>
-              <a:t>It is a software that can be run on commodity hardware.</a:t>
+              <a:t>Run on commodity hardware.</a:t>
             </a:r>
           </a:p>
           <a:p>
@@ -9221,7 +10304,21 @@
                 <a:latin typeface="Times New Roman" pitchFamily="18" charset="0"/>
                 <a:cs typeface="Times New Roman" pitchFamily="18" charset="0"/>
               </a:rPr>
-              <a:t>The system having the namenode acts as the master server and it does the following tasks:</a:t>
+              <a:t>The system having the </a:t>
+            </a:r>
+            <a:r>
+              <a:rPr lang="en-IN" sz="2800" b="1" dirty="0" smtClean="0">
+                <a:latin typeface="Times New Roman" pitchFamily="18" charset="0"/>
+                <a:cs typeface="Times New Roman" pitchFamily="18" charset="0"/>
+              </a:rPr>
+              <a:t>namenode acts as the master server</a:t>
+            </a:r>
+            <a:r>
+              <a:rPr lang="en-IN" sz="2800" dirty="0" smtClean="0">
+                <a:latin typeface="Times New Roman" pitchFamily="18" charset="0"/>
+                <a:cs typeface="Times New Roman" pitchFamily="18" charset="0"/>
+              </a:rPr>
+              <a:t> and it does the following tasks:</a:t>
             </a:r>
           </a:p>
           <a:p>
@@ -9242,7 +10339,7 @@
                 <a:latin typeface="Times New Roman" pitchFamily="18" charset="0"/>
                 <a:cs typeface="Times New Roman" pitchFamily="18" charset="0"/>
               </a:rPr>
-              <a:t>Manages the file system namespace.</a:t>
+              <a:t> Manages the file system namespace.</a:t>
             </a:r>
           </a:p>
           <a:p>
@@ -9263,7 +10360,7 @@
                 <a:latin typeface="Times New Roman" pitchFamily="18" charset="0"/>
                 <a:cs typeface="Times New Roman" pitchFamily="18" charset="0"/>
               </a:rPr>
-              <a:t>Regulates client’s access to files.</a:t>
+              <a:t> Regulates client’s access to files.</a:t>
             </a:r>
           </a:p>
           <a:p>
@@ -9284,7 +10381,7 @@
                 <a:latin typeface="Times New Roman" pitchFamily="18" charset="0"/>
                 <a:cs typeface="Times New Roman" pitchFamily="18" charset="0"/>
               </a:rPr>
-              <a:t>It also executes file system operations such as renaming, closing , and opening files and</a:t>
+              <a:t> It also executes file system operations such as renaming,   closing , and opening files and</a:t>
             </a:r>
             <a:r>
               <a:rPr lang="en-US" sz="2800" dirty="0" smtClean="0">
@@ -9444,7 +10541,7 @@
         </p:nvSpPr>
         <p:spPr>
           <a:xfrm>
-            <a:off x="799662" y="1295700"/>
+            <a:off x="799662" y="1342184"/>
             <a:ext cx="10591127" cy="5106582"/>
           </a:xfrm>
           <a:prstGeom prst="rect">
@@ -9453,7 +10550,7 @@
         </p:spPr>
         <p:txBody>
           <a:bodyPr vert="horz" lIns="108753" tIns="54377" rIns="108753" bIns="54377">
-            <a:normAutofit/>
+            <a:normAutofit lnSpcReduction="10000"/>
           </a:bodyPr>
           <a:lstStyle/>
           <a:p>
@@ -9473,7 +10570,7 @@
               <a:defRPr/>
             </a:pPr>
             <a:r>
-              <a:rPr lang="en-IN" sz="2800" b="1" dirty="0" smtClean="0">
+              <a:rPr lang="en-IN" sz="3200" b="1" dirty="0" smtClean="0">
                 <a:latin typeface="Times New Roman" pitchFamily="18" charset="0"/>
                 <a:cs typeface="Times New Roman" pitchFamily="18" charset="0"/>
               </a:rPr>
@@ -9505,7 +10602,42 @@
                 <a:latin typeface="Times New Roman" pitchFamily="18" charset="0"/>
                 <a:cs typeface="Times New Roman" pitchFamily="18" charset="0"/>
               </a:rPr>
-              <a:t>The datanode is a commodity hardware having the GNU/Linux operating system and datanode software.</a:t>
+              <a:t>Commodity hardware having the GNU/Linux operating system and datanode software.</a:t>
+            </a:r>
+          </a:p>
+          <a:p>
+            <a:pPr marL="363515" indent="-363515" algn="just" defTabSz="914400">
+              <a:spcBef>
+                <a:spcPts val="690"/>
+              </a:spcBef>
+              <a:buClr>
+                <a:schemeClr val="accent1"/>
+              </a:buClr>
+              <a:buSzPct val="85000"/>
+              <a:buFont typeface="Wingdings 2"/>
+              <a:buChar char=""/>
+              <a:defRPr/>
+            </a:pPr>
+            <a:r>
+              <a:rPr lang="en-IN" sz="2800" dirty="0" smtClean="0">
+                <a:latin typeface="Times New Roman" pitchFamily="18" charset="0"/>
+                <a:cs typeface="Times New Roman" pitchFamily="18" charset="0"/>
+              </a:rPr>
+              <a:t>The system having the </a:t>
+            </a:r>
+            <a:r>
+              <a:rPr lang="en-IN" sz="2800" b="1" dirty="0" smtClean="0">
+                <a:latin typeface="Times New Roman" pitchFamily="18" charset="0"/>
+                <a:cs typeface="Times New Roman" pitchFamily="18" charset="0"/>
+              </a:rPr>
+              <a:t>datanode acts as the slave</a:t>
+            </a:r>
+            <a:r>
+              <a:rPr lang="en-IN" sz="2800" dirty="0" smtClean="0">
+                <a:latin typeface="Times New Roman" pitchFamily="18" charset="0"/>
+                <a:cs typeface="Times New Roman" pitchFamily="18" charset="0"/>
+              </a:rPr>
+              <a:t>.</a:t>
             </a:r>
           </a:p>
           <a:p>
@@ -9533,21 +10665,49 @@
                 <a:latin typeface="Times New Roman" pitchFamily="18" charset="0"/>
                 <a:cs typeface="Times New Roman" pitchFamily="18" charset="0"/>
               </a:rPr>
-              <a:t>For every node </a:t>
-            </a:r>
-            <a:r>
-              <a:rPr lang="en-IN" sz="2800" i="1" dirty="0" smtClean="0">
-                <a:latin typeface="Times New Roman" pitchFamily="18" charset="0"/>
-                <a:cs typeface="Times New Roman" pitchFamily="18" charset="0"/>
-              </a:rPr>
-              <a:t>Commodity hardware/System in a cluster, there will be a datanode. These nodes </a:t>
+              <a:t> For every node </a:t>
+            </a:r>
+            <a:r>
+              <a:rPr lang="en-IN" sz="2800" b="1" dirty="0" smtClean="0">
+                <a:latin typeface="Times New Roman" pitchFamily="18" charset="0"/>
+                <a:cs typeface="Times New Roman" pitchFamily="18" charset="0"/>
+              </a:rPr>
+              <a:t>Commodity hardware/System in a cluster</a:t>
             </a:r>
             <a:r>
               <a:rPr lang="en-IN" sz="2800" dirty="0" smtClean="0">
                 <a:latin typeface="Times New Roman" pitchFamily="18" charset="0"/>
                 <a:cs typeface="Times New Roman" pitchFamily="18" charset="0"/>
               </a:rPr>
-              <a:t>manage the data storage of their system. </a:t>
+              <a:t>, there will </a:t>
+            </a:r>
+            <a:r>
+              <a:rPr lang="en-IN" sz="2800" b="1" dirty="0" smtClean="0">
+                <a:latin typeface="Times New Roman" pitchFamily="18" charset="0"/>
+                <a:cs typeface="Times New Roman" pitchFamily="18" charset="0"/>
+              </a:rPr>
+              <a:t>be a datanode</a:t>
+            </a:r>
+            <a:r>
+              <a:rPr lang="en-IN" sz="2800" dirty="0" smtClean="0">
+                <a:latin typeface="Times New Roman" pitchFamily="18" charset="0"/>
+                <a:cs typeface="Times New Roman" pitchFamily="18" charset="0"/>
+              </a:rPr>
+              <a:t>. These nodes </a:t>
+            </a:r>
+            <a:r>
+              <a:rPr lang="en-IN" sz="2800" b="1" dirty="0" smtClean="0">
+                <a:latin typeface="Times New Roman" pitchFamily="18" charset="0"/>
+                <a:cs typeface="Times New Roman" pitchFamily="18" charset="0"/>
+              </a:rPr>
+              <a:t>manage the data storage</a:t>
+            </a:r>
+            <a:r>
+              <a:rPr lang="en-IN" sz="2800" dirty="0" smtClean="0">
+                <a:latin typeface="Times New Roman" pitchFamily="18" charset="0"/>
+                <a:cs typeface="Times New Roman" pitchFamily="18" charset="0"/>
+              </a:rPr>
+              <a:t> of their system. </a:t>
             </a:r>
             <a:endParaRPr lang="en-US" sz="2800" dirty="0" smtClean="0">
               <a:latin typeface="Times New Roman" pitchFamily="18" charset="0"/>
@@ -9572,21 +10732,7 @@
                 <a:latin typeface="Times New Roman" pitchFamily="18" charset="0"/>
                 <a:cs typeface="Times New Roman" pitchFamily="18" charset="0"/>
               </a:rPr>
-              <a:t>Datanodes </a:t>
-            </a:r>
-            <a:r>
-              <a:rPr lang="en-IN" sz="2800" dirty="0" smtClean="0">
-                <a:latin typeface="Times New Roman" pitchFamily="18" charset="0"/>
-                <a:cs typeface="Times New Roman" pitchFamily="18" charset="0"/>
-              </a:rPr>
-              <a:t>perform read-write operations on the file systems, as per client </a:t>
-            </a:r>
-            <a:r>
-              <a:rPr lang="en-IN" sz="2800" dirty="0" smtClean="0">
-                <a:latin typeface="Times New Roman" pitchFamily="18" charset="0"/>
-                <a:cs typeface="Times New Roman" pitchFamily="18" charset="0"/>
-              </a:rPr>
-              <a:t>request.</a:t>
+              <a:t>Datanodes perform read-write operations on the file systems, as per client request.</a:t>
             </a:r>
           </a:p>
           <a:p>
@@ -9607,14 +10753,7 @@
                 <a:latin typeface="Times New Roman" pitchFamily="18" charset="0"/>
                 <a:cs typeface="Times New Roman" pitchFamily="18" charset="0"/>
               </a:rPr>
-              <a:t>They </a:t>
-            </a:r>
-            <a:r>
-              <a:rPr lang="en-IN" sz="2800" dirty="0" smtClean="0">
-                <a:latin typeface="Times New Roman" pitchFamily="18" charset="0"/>
-                <a:cs typeface="Times New Roman" pitchFamily="18" charset="0"/>
-              </a:rPr>
-              <a:t>also perform operations such as block creation, deletion , and replication according to the instructions of the namenode.</a:t>
+              <a:t>They also perform operations such as block creation, deletion , and replication according to the instructions of the namenode.</a:t>
             </a:r>
           </a:p>
           <a:p>
